--- a/instructions/cogflex.pptx
+++ b/instructions/cogflex.pptx
@@ -7,19 +7,26 @@
   <p:sldIdLst>
     <p:sldId id="256" r:id="rId2"/>
     <p:sldId id="257" r:id="rId3"/>
-    <p:sldId id="259" r:id="rId4"/>
-    <p:sldId id="271" r:id="rId5"/>
-    <p:sldId id="260" r:id="rId6"/>
-    <p:sldId id="261" r:id="rId7"/>
-    <p:sldId id="262" r:id="rId8"/>
-    <p:sldId id="263" r:id="rId9"/>
-    <p:sldId id="264" r:id="rId10"/>
-    <p:sldId id="265" r:id="rId11"/>
-    <p:sldId id="267" r:id="rId12"/>
-    <p:sldId id="266" r:id="rId13"/>
-    <p:sldId id="268" r:id="rId14"/>
-    <p:sldId id="269" r:id="rId15"/>
-    <p:sldId id="270" r:id="rId16"/>
+    <p:sldId id="260" r:id="rId4"/>
+    <p:sldId id="259" r:id="rId5"/>
+    <p:sldId id="274" r:id="rId6"/>
+    <p:sldId id="275" r:id="rId7"/>
+    <p:sldId id="273" r:id="rId8"/>
+    <p:sldId id="271" r:id="rId9"/>
+    <p:sldId id="261" r:id="rId10"/>
+    <p:sldId id="262" r:id="rId11"/>
+    <p:sldId id="263" r:id="rId12"/>
+    <p:sldId id="264" r:id="rId13"/>
+    <p:sldId id="265" r:id="rId14"/>
+    <p:sldId id="267" r:id="rId15"/>
+    <p:sldId id="266" r:id="rId16"/>
+    <p:sldId id="268" r:id="rId17"/>
+    <p:sldId id="276" r:id="rId18"/>
+    <p:sldId id="269" r:id="rId19"/>
+    <p:sldId id="277" r:id="rId20"/>
+    <p:sldId id="278" r:id="rId21"/>
+    <p:sldId id="279" r:id="rId22"/>
+    <p:sldId id="270" r:id="rId23"/>
   </p:sldIdLst>
   <p:sldSz cx="12192000" cy="6858000"/>
   <p:notesSz cx="6858000" cy="9144000"/>
@@ -118,6 +125,11 @@
       </a:defRPr>
     </a:lvl9pPr>
   </p:defaultTextStyle>
+  <p:extLst>
+    <p:ext uri="{EFAFB233-063F-42B5-8137-9DF3F51BA10A}">
+      <p15:sldGuideLst xmlns:p15="http://schemas.microsoft.com/office/powerpoint/2012/main"/>
+    </p:ext>
+  </p:extLst>
 </p:presentation>
 </file>
 
@@ -264,7 +276,7 @@
           <a:p>
             <a:fld id="{A367DB66-16AD-4D3E-9476-904D5CB20BD0}" type="datetimeFigureOut">
               <a:rPr lang="en-US" smtClean="0"/>
-              <a:t>8/30/2021</a:t>
+              <a:t>11/15/2021</a:t>
             </a:fld>
             <a:endParaRPr lang="en-US"/>
           </a:p>
@@ -434,7 +446,7 @@
           <a:p>
             <a:fld id="{A367DB66-16AD-4D3E-9476-904D5CB20BD0}" type="datetimeFigureOut">
               <a:rPr lang="en-US" smtClean="0"/>
-              <a:t>8/30/2021</a:t>
+              <a:t>11/15/2021</a:t>
             </a:fld>
             <a:endParaRPr lang="en-US"/>
           </a:p>
@@ -614,7 +626,7 @@
           <a:p>
             <a:fld id="{A367DB66-16AD-4D3E-9476-904D5CB20BD0}" type="datetimeFigureOut">
               <a:rPr lang="en-US" smtClean="0"/>
-              <a:t>8/30/2021</a:t>
+              <a:t>11/15/2021</a:t>
             </a:fld>
             <a:endParaRPr lang="en-US"/>
           </a:p>
@@ -784,7 +796,7 @@
           <a:p>
             <a:fld id="{A367DB66-16AD-4D3E-9476-904D5CB20BD0}" type="datetimeFigureOut">
               <a:rPr lang="en-US" smtClean="0"/>
-              <a:t>8/30/2021</a:t>
+              <a:t>11/15/2021</a:t>
             </a:fld>
             <a:endParaRPr lang="en-US"/>
           </a:p>
@@ -1030,7 +1042,7 @@
           <a:p>
             <a:fld id="{A367DB66-16AD-4D3E-9476-904D5CB20BD0}" type="datetimeFigureOut">
               <a:rPr lang="en-US" smtClean="0"/>
-              <a:t>8/30/2021</a:t>
+              <a:t>11/15/2021</a:t>
             </a:fld>
             <a:endParaRPr lang="en-US"/>
           </a:p>
@@ -1262,7 +1274,7 @@
           <a:p>
             <a:fld id="{A367DB66-16AD-4D3E-9476-904D5CB20BD0}" type="datetimeFigureOut">
               <a:rPr lang="en-US" smtClean="0"/>
-              <a:t>8/30/2021</a:t>
+              <a:t>11/15/2021</a:t>
             </a:fld>
             <a:endParaRPr lang="en-US"/>
           </a:p>
@@ -1629,7 +1641,7 @@
           <a:p>
             <a:fld id="{A367DB66-16AD-4D3E-9476-904D5CB20BD0}" type="datetimeFigureOut">
               <a:rPr lang="en-US" smtClean="0"/>
-              <a:t>8/30/2021</a:t>
+              <a:t>11/15/2021</a:t>
             </a:fld>
             <a:endParaRPr lang="en-US"/>
           </a:p>
@@ -1747,7 +1759,7 @@
           <a:p>
             <a:fld id="{A367DB66-16AD-4D3E-9476-904D5CB20BD0}" type="datetimeFigureOut">
               <a:rPr lang="en-US" smtClean="0"/>
-              <a:t>8/30/2021</a:t>
+              <a:t>11/15/2021</a:t>
             </a:fld>
             <a:endParaRPr lang="en-US"/>
           </a:p>
@@ -1842,7 +1854,7 @@
           <a:p>
             <a:fld id="{A367DB66-16AD-4D3E-9476-904D5CB20BD0}" type="datetimeFigureOut">
               <a:rPr lang="en-US" smtClean="0"/>
-              <a:t>8/30/2021</a:t>
+              <a:t>11/15/2021</a:t>
             </a:fld>
             <a:endParaRPr lang="en-US"/>
           </a:p>
@@ -2119,7 +2131,7 @@
           <a:p>
             <a:fld id="{A367DB66-16AD-4D3E-9476-904D5CB20BD0}" type="datetimeFigureOut">
               <a:rPr lang="en-US" smtClean="0"/>
-              <a:t>8/30/2021</a:t>
+              <a:t>11/15/2021</a:t>
             </a:fld>
             <a:endParaRPr lang="en-US"/>
           </a:p>
@@ -2376,7 +2388,7 @@
           <a:p>
             <a:fld id="{A367DB66-16AD-4D3E-9476-904D5CB20BD0}" type="datetimeFigureOut">
               <a:rPr lang="en-US" smtClean="0"/>
-              <a:t>8/30/2021</a:t>
+              <a:t>11/15/2021</a:t>
             </a:fld>
             <a:endParaRPr lang="en-US"/>
           </a:p>
@@ -2589,7 +2601,7 @@
           <a:p>
             <a:fld id="{A367DB66-16AD-4D3E-9476-904D5CB20BD0}" type="datetimeFigureOut">
               <a:rPr lang="en-US" smtClean="0"/>
-              <a:t>8/30/2021</a:t>
+              <a:t>11/15/2021</a:t>
             </a:fld>
             <a:endParaRPr lang="en-US"/>
           </a:p>
@@ -3107,7 +3119,7 @@
           <a:p>
             <a:r>
               <a:rPr lang="en-US" sz="5400" dirty="0"/>
-              <a:t>3</a:t>
+              <a:t>2</a:t>
             </a:r>
           </a:p>
         </p:txBody>
@@ -3274,7 +3286,7 @@
         <p:spPr>
           <a:xfrm>
             <a:off x="7769776" y="1062243"/>
-            <a:ext cx="2010487" cy="369332"/>
+            <a:ext cx="2055371" cy="369332"/>
           </a:xfrm>
           <a:prstGeom prst="rect">
             <a:avLst/>
@@ -3289,7 +3301,7 @@
           <a:p>
             <a:r>
               <a:rPr lang="en-US" dirty="0"/>
-              <a:t>Odd number. Press F</a:t>
+              <a:t>Even number. Press J</a:t>
             </a:r>
           </a:p>
         </p:txBody>
@@ -3297,7 +3309,7 @@
     </p:spTree>
     <p:extLst>
       <p:ext uri="{BB962C8B-B14F-4D97-AF65-F5344CB8AC3E}">
-        <p14:creationId xmlns:p14="http://schemas.microsoft.com/office/powerpoint/2010/main" val="1111390835"/>
+        <p14:creationId xmlns:p14="http://schemas.microsoft.com/office/powerpoint/2010/main" val="1278711658"/>
       </p:ext>
     </p:extLst>
   </p:cSld>
@@ -3419,7 +3431,7 @@
         </p:nvSpPr>
         <p:spPr>
           <a:xfrm>
-            <a:off x="5961613" y="3772594"/>
+            <a:off x="5961613" y="2019994"/>
             <a:ext cx="275706" cy="275706"/>
           </a:xfrm>
           <a:prstGeom prst="ellipse">
@@ -3478,7 +3490,7 @@
         </p:nvCxnSpPr>
         <p:spPr>
           <a:xfrm flipH="1">
-            <a:off x="6650182" y="5056909"/>
+            <a:off x="6650182" y="1246909"/>
             <a:ext cx="1119594" cy="0"/>
           </a:xfrm>
           <a:prstGeom prst="straightConnector1">
@@ -3520,8 +3532,8 @@
         </p:nvSpPr>
         <p:spPr>
           <a:xfrm>
-            <a:off x="7769776" y="4872243"/>
-            <a:ext cx="1848583" cy="369332"/>
+            <a:off x="7769776" y="1062243"/>
+            <a:ext cx="2010487" cy="369332"/>
           </a:xfrm>
           <a:prstGeom prst="rect">
             <a:avLst/>
@@ -3536,7 +3548,7 @@
           <a:p>
             <a:r>
               <a:rPr lang="en-US" dirty="0"/>
-              <a:t>Less than 5. Press F</a:t>
+              <a:t>Odd number. Press F</a:t>
             </a:r>
           </a:p>
         </p:txBody>
@@ -3593,7 +3605,7 @@
         </p:nvCxnSpPr>
         <p:spPr>
           <a:xfrm flipH="1">
-            <a:off x="6535882" y="3892209"/>
+            <a:off x="6535882" y="2185610"/>
             <a:ext cx="1119594" cy="0"/>
           </a:xfrm>
           <a:prstGeom prst="straightConnector1">
@@ -3635,8 +3647,8 @@
         </p:nvSpPr>
         <p:spPr>
           <a:xfrm>
-            <a:off x="7655476" y="3707543"/>
-            <a:ext cx="4188967" cy="369332"/>
+            <a:off x="7655476" y="2000944"/>
+            <a:ext cx="3502882" cy="369332"/>
           </a:xfrm>
           <a:prstGeom prst="rect">
             <a:avLst/>
@@ -3651,7 +3663,7 @@
           <a:p>
             <a:r>
               <a:rPr lang="en-US" dirty="0"/>
-              <a:t>Circle is at bottom. Switch to more/less than 5.</a:t>
+              <a:t>Circle is at top. Ignore bottom number</a:t>
             </a:r>
           </a:p>
         </p:txBody>
@@ -3659,7 +3671,7 @@
     </p:spTree>
     <p:extLst>
       <p:ext uri="{BB962C8B-B14F-4D97-AF65-F5344CB8AC3E}">
-        <p14:creationId xmlns:p14="http://schemas.microsoft.com/office/powerpoint/2010/main" val="2920996172"/>
+        <p14:creationId xmlns:p14="http://schemas.microsoft.com/office/powerpoint/2010/main" val="3380343371"/>
       </p:ext>
     </p:extLst>
   </p:cSld>
@@ -3716,7 +3728,7 @@
           <a:p>
             <a:r>
               <a:rPr lang="en-US" sz="5400" dirty="0"/>
-              <a:t>6</a:t>
+              <a:t>9</a:t>
             </a:r>
           </a:p>
         </p:txBody>
@@ -3883,7 +3895,7 @@
         <p:spPr>
           <a:xfrm>
             <a:off x="7769776" y="1062243"/>
-            <a:ext cx="2055371" cy="369332"/>
+            <a:ext cx="2010487" cy="369332"/>
           </a:xfrm>
           <a:prstGeom prst="rect">
             <a:avLst/>
@@ -3898,87 +3910,7 @@
           <a:p>
             <a:r>
               <a:rPr lang="en-US" dirty="0"/>
-              <a:t>Even number. Press J</a:t>
-            </a:r>
-          </a:p>
-        </p:txBody>
-      </p:sp>
-      <p:cxnSp>
-        <p:nvCxnSpPr>
-          <p:cNvPr id="9" name="Straight Arrow Connector 8">
-            <a:extLst>
-              <a:ext uri="{FF2B5EF4-FFF2-40B4-BE49-F238E27FC236}">
-                <a16:creationId xmlns:a16="http://schemas.microsoft.com/office/drawing/2014/main" id="{6E091362-C2EB-4614-8A38-C71880B75EBB}"/>
-              </a:ext>
-            </a:extLst>
-          </p:cNvPr>
-          <p:cNvCxnSpPr>
-            <a:cxnSpLocks/>
-            <a:stCxn id="12" idx="1"/>
-          </p:cNvCxnSpPr>
-          <p:nvPr/>
-        </p:nvCxnSpPr>
-        <p:spPr>
-          <a:xfrm flipH="1">
-            <a:off x="6573982" y="2204660"/>
-            <a:ext cx="1119594" cy="0"/>
-          </a:xfrm>
-          <a:prstGeom prst="straightConnector1">
-            <a:avLst/>
-          </a:prstGeom>
-          <a:ln w="57150">
-            <a:solidFill>
-              <a:srgbClr val="FFC000"/>
-            </a:solidFill>
-            <a:tailEnd type="triangle"/>
-          </a:ln>
-        </p:spPr>
-        <p:style>
-          <a:lnRef idx="1">
-            <a:schemeClr val="accent1"/>
-          </a:lnRef>
-          <a:fillRef idx="0">
-            <a:schemeClr val="accent1"/>
-          </a:fillRef>
-          <a:effectRef idx="0">
-            <a:schemeClr val="accent1"/>
-          </a:effectRef>
-          <a:fontRef idx="minor">
-            <a:schemeClr val="tx1"/>
-          </a:fontRef>
-        </p:style>
-      </p:cxnSp>
-      <p:sp>
-        <p:nvSpPr>
-          <p:cNvPr id="12" name="TextBox 11">
-            <a:extLst>
-              <a:ext uri="{FF2B5EF4-FFF2-40B4-BE49-F238E27FC236}">
-                <a16:creationId xmlns:a16="http://schemas.microsoft.com/office/drawing/2014/main" id="{0BFD370F-64FE-4F72-8A44-0037404EEDC2}"/>
-              </a:ext>
-            </a:extLst>
-          </p:cNvPr>
-          <p:cNvSpPr txBox="1"/>
-          <p:nvPr/>
-        </p:nvSpPr>
-        <p:spPr>
-          <a:xfrm>
-            <a:off x="7693576" y="2019994"/>
-            <a:ext cx="2690160" cy="369332"/>
-          </a:xfrm>
-          <a:prstGeom prst="rect">
-            <a:avLst/>
-          </a:prstGeom>
-          <a:noFill/>
-        </p:spPr>
-        <p:txBody>
-          <a:bodyPr wrap="none" rtlCol="0">
-            <a:spAutoFit/>
-          </a:bodyPr>
-          <a:lstStyle/>
-          <a:p>
-            <a:r>
-              <a:rPr lang="en-US" dirty="0"/>
-              <a:t>Circle is at top. Do odd/even.</a:t>
+              <a:t>Odd number. Press F</a:t>
             </a:r>
           </a:p>
         </p:txBody>
@@ -3986,7 +3918,7 @@
     </p:spTree>
     <p:extLst>
       <p:ext uri="{BB962C8B-B14F-4D97-AF65-F5344CB8AC3E}">
-        <p14:creationId xmlns:p14="http://schemas.microsoft.com/office/powerpoint/2010/main" val="287124235"/>
+        <p14:creationId xmlns:p14="http://schemas.microsoft.com/office/powerpoint/2010/main" val="3684722757"/>
       </p:ext>
     </p:extLst>
   </p:cSld>
@@ -4043,7 +3975,7 @@
           <a:p>
             <a:r>
               <a:rPr lang="en-US" sz="5400" dirty="0"/>
-              <a:t>4</a:t>
+              <a:t>3</a:t>
             </a:r>
           </a:p>
         </p:txBody>
@@ -4210,7 +4142,7 @@
         <p:spPr>
           <a:xfrm>
             <a:off x="7769776" y="1062243"/>
-            <a:ext cx="2055371" cy="369332"/>
+            <a:ext cx="2010487" cy="369332"/>
           </a:xfrm>
           <a:prstGeom prst="rect">
             <a:avLst/>
@@ -4225,7 +4157,7 @@
           <a:p>
             <a:r>
               <a:rPr lang="en-US" dirty="0"/>
-              <a:t>Even number. Press J</a:t>
+              <a:t>Odd number. Press F</a:t>
             </a:r>
           </a:p>
         </p:txBody>
@@ -4233,7 +4165,7 @@
     </p:spTree>
     <p:extLst>
       <p:ext uri="{BB962C8B-B14F-4D97-AF65-F5344CB8AC3E}">
-        <p14:creationId xmlns:p14="http://schemas.microsoft.com/office/powerpoint/2010/main" val="2292552248"/>
+        <p14:creationId xmlns:p14="http://schemas.microsoft.com/office/powerpoint/2010/main" val="1111390835"/>
       </p:ext>
     </p:extLst>
   </p:cSld>
@@ -4290,7 +4222,7 @@
           <a:p>
             <a:r>
               <a:rPr lang="en-US" sz="5400" dirty="0"/>
-              <a:t>2</a:t>
+              <a:t>7</a:t>
             </a:r>
           </a:p>
         </p:txBody>
@@ -4457,7 +4389,7 @@
         <p:spPr>
           <a:xfrm>
             <a:off x="7769776" y="4872243"/>
-            <a:ext cx="1951175" cy="369332"/>
+            <a:ext cx="1890261" cy="369332"/>
           </a:xfrm>
           <a:prstGeom prst="rect">
             <a:avLst/>
@@ -4472,7 +4404,7 @@
           <a:p>
             <a:r>
               <a:rPr lang="en-US" dirty="0"/>
-              <a:t>More than 5. Press J</a:t>
+              <a:t>Less than 5. Press D</a:t>
             </a:r>
           </a:p>
         </p:txBody>
@@ -4507,7 +4439,7 @@
           <a:p>
             <a:r>
               <a:rPr lang="en-US" sz="5400" dirty="0"/>
-              <a:t>8</a:t>
+              <a:t>3</a:t>
             </a:r>
           </a:p>
         </p:txBody>
@@ -4595,7 +4527,7 @@
     </p:spTree>
     <p:extLst>
       <p:ext uri="{BB962C8B-B14F-4D97-AF65-F5344CB8AC3E}">
-        <p14:creationId xmlns:p14="http://schemas.microsoft.com/office/powerpoint/2010/main" val="3197287014"/>
+        <p14:creationId xmlns:p14="http://schemas.microsoft.com/office/powerpoint/2010/main" val="2920996172"/>
       </p:ext>
     </p:extLst>
   </p:cSld>
@@ -4624,45 +4556,297 @@
       </p:grpSpPr>
       <p:sp>
         <p:nvSpPr>
-          <p:cNvPr id="3" name="Content Placeholder 2">
-            <a:extLst>
-              <a:ext uri="{FF2B5EF4-FFF2-40B4-BE49-F238E27FC236}">
-                <a16:creationId xmlns:a16="http://schemas.microsoft.com/office/drawing/2014/main" id="{0E15F1CA-1121-4121-A125-AE2B0D19948F}"/>
-              </a:ext>
-            </a:extLst>
-          </p:cNvPr>
-          <p:cNvSpPr>
-            <a:spLocks noGrp="1"/>
-          </p:cNvSpPr>
-          <p:nvPr>
-            <p:ph idx="1"/>
-          </p:nvPr>
-        </p:nvSpPr>
-        <p:spPr>
-          <a:xfrm>
-            <a:off x="838200" y="731520"/>
-            <a:ext cx="10515600" cy="5445443"/>
-          </a:xfrm>
-        </p:spPr>
-        <p:txBody>
-          <a:bodyPr anchor="ctr"/>
-          <a:lstStyle/>
-          <a:p>
-            <a:pPr marL="0" indent="0" algn="ctr">
-              <a:buNone/>
-            </a:pPr>
+          <p:cNvPr id="4" name="TextBox 3">
+            <a:extLst>
+              <a:ext uri="{FF2B5EF4-FFF2-40B4-BE49-F238E27FC236}">
+                <a16:creationId xmlns:a16="http://schemas.microsoft.com/office/drawing/2014/main" id="{045EBAC0-D53D-4EA9-B71F-B4ABEF313ECB}"/>
+              </a:ext>
+            </a:extLst>
+          </p:cNvPr>
+          <p:cNvSpPr txBox="1"/>
+          <p:nvPr/>
+        </p:nvSpPr>
+        <p:spPr>
+          <a:xfrm>
+            <a:off x="5847374" y="847899"/>
+            <a:ext cx="497252" cy="923330"/>
+          </a:xfrm>
+          <a:prstGeom prst="rect">
+            <a:avLst/>
+          </a:prstGeom>
+          <a:noFill/>
+        </p:spPr>
+        <p:txBody>
+          <a:bodyPr wrap="none" rtlCol="0">
+            <a:spAutoFit/>
+          </a:bodyPr>
+          <a:lstStyle/>
+          <a:p>
+            <a:r>
+              <a:rPr lang="en-US" sz="5400" dirty="0"/>
+              <a:t>6</a:t>
+            </a:r>
+          </a:p>
+        </p:txBody>
+      </p:sp>
+      <p:cxnSp>
+        <p:nvCxnSpPr>
+          <p:cNvPr id="6" name="Straight Connector 5">
+            <a:extLst>
+              <a:ext uri="{FF2B5EF4-FFF2-40B4-BE49-F238E27FC236}">
+                <a16:creationId xmlns:a16="http://schemas.microsoft.com/office/drawing/2014/main" id="{8C184E1D-CF59-4C96-8CCE-250D00DBE68C}"/>
+              </a:ext>
+            </a:extLst>
+          </p:cNvPr>
+          <p:cNvCxnSpPr>
+            <a:cxnSpLocks/>
+            <a:stCxn id="4" idx="2"/>
+          </p:cNvCxnSpPr>
+          <p:nvPr/>
+        </p:nvCxnSpPr>
+        <p:spPr>
+          <a:xfrm>
+            <a:off x="6096000" y="1771229"/>
+            <a:ext cx="0" cy="2875586"/>
+          </a:xfrm>
+          <a:prstGeom prst="line">
+            <a:avLst/>
+          </a:prstGeom>
+          <a:ln w="76200">
+            <a:solidFill>
+              <a:schemeClr val="tx1">
+                <a:lumMod val="50000"/>
+              </a:schemeClr>
+            </a:solidFill>
+          </a:ln>
+        </p:spPr>
+        <p:style>
+          <a:lnRef idx="1">
+            <a:schemeClr val="accent1"/>
+          </a:lnRef>
+          <a:fillRef idx="0">
+            <a:schemeClr val="accent1"/>
+          </a:fillRef>
+          <a:effectRef idx="0">
+            <a:schemeClr val="accent1"/>
+          </a:effectRef>
+          <a:fontRef idx="minor">
+            <a:schemeClr val="tx1"/>
+          </a:fontRef>
+        </p:style>
+      </p:cxnSp>
+      <p:sp>
+        <p:nvSpPr>
+          <p:cNvPr id="8" name="Oval 7">
+            <a:extLst>
+              <a:ext uri="{FF2B5EF4-FFF2-40B4-BE49-F238E27FC236}">
+                <a16:creationId xmlns:a16="http://schemas.microsoft.com/office/drawing/2014/main" id="{D780B0A6-9031-423A-8AC2-37C18347E369}"/>
+              </a:ext>
+            </a:extLst>
+          </p:cNvPr>
+          <p:cNvSpPr/>
+          <p:nvPr/>
+        </p:nvSpPr>
+        <p:spPr>
+          <a:xfrm>
+            <a:off x="5961613" y="2019994"/>
+            <a:ext cx="275706" cy="275706"/>
+          </a:xfrm>
+          <a:prstGeom prst="ellipse">
+            <a:avLst/>
+          </a:prstGeom>
+          <a:solidFill>
+            <a:schemeClr val="tx1">
+              <a:lumMod val="65000"/>
+            </a:schemeClr>
+          </a:solidFill>
+          <a:ln>
+            <a:solidFill>
+              <a:schemeClr val="tx1"/>
+            </a:solidFill>
+          </a:ln>
+        </p:spPr>
+        <p:style>
+          <a:lnRef idx="2">
+            <a:schemeClr val="accent1">
+              <a:shade val="50000"/>
+            </a:schemeClr>
+          </a:lnRef>
+          <a:fillRef idx="1">
+            <a:schemeClr val="accent1"/>
+          </a:fillRef>
+          <a:effectRef idx="0">
+            <a:schemeClr val="accent1"/>
+          </a:effectRef>
+          <a:fontRef idx="minor">
+            <a:schemeClr val="lt1"/>
+          </a:fontRef>
+        </p:style>
+        <p:txBody>
+          <a:bodyPr rtlCol="0" anchor="ctr"/>
+          <a:lstStyle/>
+          <a:p>
+            <a:pPr algn="ctr"/>
+            <a:endParaRPr lang="en-US"/>
+          </a:p>
+        </p:txBody>
+      </p:sp>
+      <p:cxnSp>
+        <p:nvCxnSpPr>
+          <p:cNvPr id="10" name="Straight Arrow Connector 9">
+            <a:extLst>
+              <a:ext uri="{FF2B5EF4-FFF2-40B4-BE49-F238E27FC236}">
+                <a16:creationId xmlns:a16="http://schemas.microsoft.com/office/drawing/2014/main" id="{87A68CCB-8D05-4BD9-BDDE-EE29FEECE518}"/>
+              </a:ext>
+            </a:extLst>
+          </p:cNvPr>
+          <p:cNvCxnSpPr>
+            <a:cxnSpLocks/>
+            <a:stCxn id="11" idx="1"/>
+          </p:cNvCxnSpPr>
+          <p:nvPr/>
+        </p:nvCxnSpPr>
+        <p:spPr>
+          <a:xfrm flipH="1">
+            <a:off x="6650182" y="1246909"/>
+            <a:ext cx="1119594" cy="0"/>
+          </a:xfrm>
+          <a:prstGeom prst="straightConnector1">
+            <a:avLst/>
+          </a:prstGeom>
+          <a:ln w="57150">
+            <a:solidFill>
+              <a:srgbClr val="FFC000"/>
+            </a:solidFill>
+            <a:tailEnd type="triangle"/>
+          </a:ln>
+        </p:spPr>
+        <p:style>
+          <a:lnRef idx="1">
+            <a:schemeClr val="accent1"/>
+          </a:lnRef>
+          <a:fillRef idx="0">
+            <a:schemeClr val="accent1"/>
+          </a:fillRef>
+          <a:effectRef idx="0">
+            <a:schemeClr val="accent1"/>
+          </a:effectRef>
+          <a:fontRef idx="minor">
+            <a:schemeClr val="tx1"/>
+          </a:fontRef>
+        </p:style>
+      </p:cxnSp>
+      <p:sp>
+        <p:nvSpPr>
+          <p:cNvPr id="11" name="TextBox 10">
+            <a:extLst>
+              <a:ext uri="{FF2B5EF4-FFF2-40B4-BE49-F238E27FC236}">
+                <a16:creationId xmlns:a16="http://schemas.microsoft.com/office/drawing/2014/main" id="{345EDC75-7580-4EBA-A325-774C0DF7FACC}"/>
+              </a:ext>
+            </a:extLst>
+          </p:cNvPr>
+          <p:cNvSpPr txBox="1"/>
+          <p:nvPr/>
+        </p:nvSpPr>
+        <p:spPr>
+          <a:xfrm>
+            <a:off x="7769776" y="1062243"/>
+            <a:ext cx="2055371" cy="369332"/>
+          </a:xfrm>
+          <a:prstGeom prst="rect">
+            <a:avLst/>
+          </a:prstGeom>
+          <a:noFill/>
+        </p:spPr>
+        <p:txBody>
+          <a:bodyPr wrap="none" rtlCol="0">
+            <a:spAutoFit/>
+          </a:bodyPr>
+          <a:lstStyle/>
+          <a:p>
             <a:r>
               <a:rPr lang="en-US" dirty="0"/>
-              <a:t>This is the end of the instructions and demonstration.</a:t>
-            </a:r>
-          </a:p>
-          <a:p>
-            <a:pPr marL="0" indent="0" algn="ctr">
-              <a:buNone/>
-            </a:pPr>
+              <a:t>Even number. Press J</a:t>
+            </a:r>
+          </a:p>
+        </p:txBody>
+      </p:sp>
+      <p:cxnSp>
+        <p:nvCxnSpPr>
+          <p:cNvPr id="9" name="Straight Arrow Connector 8">
+            <a:extLst>
+              <a:ext uri="{FF2B5EF4-FFF2-40B4-BE49-F238E27FC236}">
+                <a16:creationId xmlns:a16="http://schemas.microsoft.com/office/drawing/2014/main" id="{6E091362-C2EB-4614-8A38-C71880B75EBB}"/>
+              </a:ext>
+            </a:extLst>
+          </p:cNvPr>
+          <p:cNvCxnSpPr>
+            <a:cxnSpLocks/>
+            <a:stCxn id="12" idx="1"/>
+          </p:cNvCxnSpPr>
+          <p:nvPr/>
+        </p:nvCxnSpPr>
+        <p:spPr>
+          <a:xfrm flipH="1">
+            <a:off x="6573982" y="2204660"/>
+            <a:ext cx="1119594" cy="0"/>
+          </a:xfrm>
+          <a:prstGeom prst="straightConnector1">
+            <a:avLst/>
+          </a:prstGeom>
+          <a:ln w="57150">
+            <a:solidFill>
+              <a:srgbClr val="FFC000"/>
+            </a:solidFill>
+            <a:tailEnd type="triangle"/>
+          </a:ln>
+        </p:spPr>
+        <p:style>
+          <a:lnRef idx="1">
+            <a:schemeClr val="accent1"/>
+          </a:lnRef>
+          <a:fillRef idx="0">
+            <a:schemeClr val="accent1"/>
+          </a:fillRef>
+          <a:effectRef idx="0">
+            <a:schemeClr val="accent1"/>
+          </a:effectRef>
+          <a:fontRef idx="minor">
+            <a:schemeClr val="tx1"/>
+          </a:fontRef>
+        </p:style>
+      </p:cxnSp>
+      <p:sp>
+        <p:nvSpPr>
+          <p:cNvPr id="12" name="TextBox 11">
+            <a:extLst>
+              <a:ext uri="{FF2B5EF4-FFF2-40B4-BE49-F238E27FC236}">
+                <a16:creationId xmlns:a16="http://schemas.microsoft.com/office/drawing/2014/main" id="{0BFD370F-64FE-4F72-8A44-0037404EEDC2}"/>
+              </a:ext>
+            </a:extLst>
+          </p:cNvPr>
+          <p:cNvSpPr txBox="1"/>
+          <p:nvPr/>
+        </p:nvSpPr>
+        <p:spPr>
+          <a:xfrm>
+            <a:off x="7693576" y="2019994"/>
+            <a:ext cx="2690160" cy="369332"/>
+          </a:xfrm>
+          <a:prstGeom prst="rect">
+            <a:avLst/>
+          </a:prstGeom>
+          <a:noFill/>
+        </p:spPr>
+        <p:txBody>
+          <a:bodyPr wrap="none" rtlCol="0">
+            <a:spAutoFit/>
+          </a:bodyPr>
+          <a:lstStyle/>
+          <a:p>
             <a:r>
               <a:rPr lang="en-US" dirty="0"/>
-              <a:t>Please notify the researcher.</a:t>
+              <a:t>Circle is at top. Do odd/even.</a:t>
             </a:r>
           </a:p>
         </p:txBody>
@@ -4670,7 +4854,1110 @@
     </p:spTree>
     <p:extLst>
       <p:ext uri="{BB962C8B-B14F-4D97-AF65-F5344CB8AC3E}">
-        <p14:creationId xmlns:p14="http://schemas.microsoft.com/office/powerpoint/2010/main" val="3585429399"/>
+        <p14:creationId xmlns:p14="http://schemas.microsoft.com/office/powerpoint/2010/main" val="287124235"/>
+      </p:ext>
+    </p:extLst>
+  </p:cSld>
+  <p:clrMapOvr>
+    <a:masterClrMapping/>
+  </p:clrMapOvr>
+</p:sld>
+</file>
+
+<file path=ppt/slides/slide16.xml><?xml version="1.0" encoding="utf-8"?>
+<p:sld xmlns:a="http://schemas.openxmlformats.org/drawingml/2006/main" xmlns:r="http://schemas.openxmlformats.org/officeDocument/2006/relationships" xmlns:p="http://schemas.openxmlformats.org/presentationml/2006/main">
+  <p:cSld>
+    <p:spTree>
+      <p:nvGrpSpPr>
+        <p:cNvPr id="1" name=""/>
+        <p:cNvGrpSpPr/>
+        <p:nvPr/>
+      </p:nvGrpSpPr>
+      <p:grpSpPr>
+        <a:xfrm>
+          <a:off x="0" y="0"/>
+          <a:ext cx="0" cy="0"/>
+          <a:chOff x="0" y="0"/>
+          <a:chExt cx="0" cy="0"/>
+        </a:xfrm>
+      </p:grpSpPr>
+      <p:sp>
+        <p:nvSpPr>
+          <p:cNvPr id="4" name="TextBox 3">
+            <a:extLst>
+              <a:ext uri="{FF2B5EF4-FFF2-40B4-BE49-F238E27FC236}">
+                <a16:creationId xmlns:a16="http://schemas.microsoft.com/office/drawing/2014/main" id="{045EBAC0-D53D-4EA9-B71F-B4ABEF313ECB}"/>
+              </a:ext>
+            </a:extLst>
+          </p:cNvPr>
+          <p:cNvSpPr txBox="1"/>
+          <p:nvPr/>
+        </p:nvSpPr>
+        <p:spPr>
+          <a:xfrm>
+            <a:off x="5847374" y="847899"/>
+            <a:ext cx="497252" cy="923330"/>
+          </a:xfrm>
+          <a:prstGeom prst="rect">
+            <a:avLst/>
+          </a:prstGeom>
+          <a:noFill/>
+        </p:spPr>
+        <p:txBody>
+          <a:bodyPr wrap="none" rtlCol="0">
+            <a:spAutoFit/>
+          </a:bodyPr>
+          <a:lstStyle/>
+          <a:p>
+            <a:r>
+              <a:rPr lang="en-US" sz="5400" dirty="0"/>
+              <a:t>4</a:t>
+            </a:r>
+          </a:p>
+        </p:txBody>
+      </p:sp>
+      <p:cxnSp>
+        <p:nvCxnSpPr>
+          <p:cNvPr id="6" name="Straight Connector 5">
+            <a:extLst>
+              <a:ext uri="{FF2B5EF4-FFF2-40B4-BE49-F238E27FC236}">
+                <a16:creationId xmlns:a16="http://schemas.microsoft.com/office/drawing/2014/main" id="{8C184E1D-CF59-4C96-8CCE-250D00DBE68C}"/>
+              </a:ext>
+            </a:extLst>
+          </p:cNvPr>
+          <p:cNvCxnSpPr>
+            <a:cxnSpLocks/>
+            <a:stCxn id="4" idx="2"/>
+          </p:cNvCxnSpPr>
+          <p:nvPr/>
+        </p:nvCxnSpPr>
+        <p:spPr>
+          <a:xfrm>
+            <a:off x="6096000" y="1771229"/>
+            <a:ext cx="0" cy="2875586"/>
+          </a:xfrm>
+          <a:prstGeom prst="line">
+            <a:avLst/>
+          </a:prstGeom>
+          <a:ln w="76200">
+            <a:solidFill>
+              <a:schemeClr val="tx1">
+                <a:lumMod val="50000"/>
+              </a:schemeClr>
+            </a:solidFill>
+          </a:ln>
+        </p:spPr>
+        <p:style>
+          <a:lnRef idx="1">
+            <a:schemeClr val="accent1"/>
+          </a:lnRef>
+          <a:fillRef idx="0">
+            <a:schemeClr val="accent1"/>
+          </a:fillRef>
+          <a:effectRef idx="0">
+            <a:schemeClr val="accent1"/>
+          </a:effectRef>
+          <a:fontRef idx="minor">
+            <a:schemeClr val="tx1"/>
+          </a:fontRef>
+        </p:style>
+      </p:cxnSp>
+      <p:sp>
+        <p:nvSpPr>
+          <p:cNvPr id="8" name="Oval 7">
+            <a:extLst>
+              <a:ext uri="{FF2B5EF4-FFF2-40B4-BE49-F238E27FC236}">
+                <a16:creationId xmlns:a16="http://schemas.microsoft.com/office/drawing/2014/main" id="{D780B0A6-9031-423A-8AC2-37C18347E369}"/>
+              </a:ext>
+            </a:extLst>
+          </p:cNvPr>
+          <p:cNvSpPr/>
+          <p:nvPr/>
+        </p:nvSpPr>
+        <p:spPr>
+          <a:xfrm>
+            <a:off x="5961613" y="2019994"/>
+            <a:ext cx="275706" cy="275706"/>
+          </a:xfrm>
+          <a:prstGeom prst="ellipse">
+            <a:avLst/>
+          </a:prstGeom>
+          <a:solidFill>
+            <a:schemeClr val="tx1">
+              <a:lumMod val="65000"/>
+            </a:schemeClr>
+          </a:solidFill>
+          <a:ln>
+            <a:solidFill>
+              <a:schemeClr val="tx1"/>
+            </a:solidFill>
+          </a:ln>
+        </p:spPr>
+        <p:style>
+          <a:lnRef idx="2">
+            <a:schemeClr val="accent1">
+              <a:shade val="50000"/>
+            </a:schemeClr>
+          </a:lnRef>
+          <a:fillRef idx="1">
+            <a:schemeClr val="accent1"/>
+          </a:fillRef>
+          <a:effectRef idx="0">
+            <a:schemeClr val="accent1"/>
+          </a:effectRef>
+          <a:fontRef idx="minor">
+            <a:schemeClr val="lt1"/>
+          </a:fontRef>
+        </p:style>
+        <p:txBody>
+          <a:bodyPr rtlCol="0" anchor="ctr"/>
+          <a:lstStyle/>
+          <a:p>
+            <a:pPr algn="ctr"/>
+            <a:endParaRPr lang="en-US"/>
+          </a:p>
+        </p:txBody>
+      </p:sp>
+      <p:cxnSp>
+        <p:nvCxnSpPr>
+          <p:cNvPr id="10" name="Straight Arrow Connector 9">
+            <a:extLst>
+              <a:ext uri="{FF2B5EF4-FFF2-40B4-BE49-F238E27FC236}">
+                <a16:creationId xmlns:a16="http://schemas.microsoft.com/office/drawing/2014/main" id="{87A68CCB-8D05-4BD9-BDDE-EE29FEECE518}"/>
+              </a:ext>
+            </a:extLst>
+          </p:cNvPr>
+          <p:cNvCxnSpPr>
+            <a:cxnSpLocks/>
+            <a:stCxn id="11" idx="1"/>
+          </p:cNvCxnSpPr>
+          <p:nvPr/>
+        </p:nvCxnSpPr>
+        <p:spPr>
+          <a:xfrm flipH="1">
+            <a:off x="6650182" y="1246909"/>
+            <a:ext cx="1119594" cy="0"/>
+          </a:xfrm>
+          <a:prstGeom prst="straightConnector1">
+            <a:avLst/>
+          </a:prstGeom>
+          <a:ln w="57150">
+            <a:solidFill>
+              <a:srgbClr val="FFC000"/>
+            </a:solidFill>
+            <a:tailEnd type="triangle"/>
+          </a:ln>
+        </p:spPr>
+        <p:style>
+          <a:lnRef idx="1">
+            <a:schemeClr val="accent1"/>
+          </a:lnRef>
+          <a:fillRef idx="0">
+            <a:schemeClr val="accent1"/>
+          </a:fillRef>
+          <a:effectRef idx="0">
+            <a:schemeClr val="accent1"/>
+          </a:effectRef>
+          <a:fontRef idx="minor">
+            <a:schemeClr val="tx1"/>
+          </a:fontRef>
+        </p:style>
+      </p:cxnSp>
+      <p:sp>
+        <p:nvSpPr>
+          <p:cNvPr id="11" name="TextBox 10">
+            <a:extLst>
+              <a:ext uri="{FF2B5EF4-FFF2-40B4-BE49-F238E27FC236}">
+                <a16:creationId xmlns:a16="http://schemas.microsoft.com/office/drawing/2014/main" id="{345EDC75-7580-4EBA-A325-774C0DF7FACC}"/>
+              </a:ext>
+            </a:extLst>
+          </p:cNvPr>
+          <p:cNvSpPr txBox="1"/>
+          <p:nvPr/>
+        </p:nvSpPr>
+        <p:spPr>
+          <a:xfrm>
+            <a:off x="7769776" y="1062243"/>
+            <a:ext cx="2055371" cy="369332"/>
+          </a:xfrm>
+          <a:prstGeom prst="rect">
+            <a:avLst/>
+          </a:prstGeom>
+          <a:noFill/>
+        </p:spPr>
+        <p:txBody>
+          <a:bodyPr wrap="none" rtlCol="0">
+            <a:spAutoFit/>
+          </a:bodyPr>
+          <a:lstStyle/>
+          <a:p>
+            <a:r>
+              <a:rPr lang="en-US" dirty="0"/>
+              <a:t>Even number. Press J</a:t>
+            </a:r>
+          </a:p>
+        </p:txBody>
+      </p:sp>
+    </p:spTree>
+    <p:extLst>
+      <p:ext uri="{BB962C8B-B14F-4D97-AF65-F5344CB8AC3E}">
+        <p14:creationId xmlns:p14="http://schemas.microsoft.com/office/powerpoint/2010/main" val="2292552248"/>
+      </p:ext>
+    </p:extLst>
+  </p:cSld>
+  <p:clrMapOvr>
+    <a:masterClrMapping/>
+  </p:clrMapOvr>
+</p:sld>
+</file>
+
+<file path=ppt/slides/slide17.xml><?xml version="1.0" encoding="utf-8"?>
+<p:sld xmlns:a="http://schemas.openxmlformats.org/drawingml/2006/main" xmlns:r="http://schemas.openxmlformats.org/officeDocument/2006/relationships" xmlns:p="http://schemas.openxmlformats.org/presentationml/2006/main">
+  <p:cSld>
+    <p:spTree>
+      <p:nvGrpSpPr>
+        <p:cNvPr id="1" name=""/>
+        <p:cNvGrpSpPr/>
+        <p:nvPr/>
+      </p:nvGrpSpPr>
+      <p:grpSpPr>
+        <a:xfrm>
+          <a:off x="0" y="0"/>
+          <a:ext cx="0" cy="0"/>
+          <a:chOff x="0" y="0"/>
+          <a:chExt cx="0" cy="0"/>
+        </a:xfrm>
+      </p:grpSpPr>
+      <p:sp>
+        <p:nvSpPr>
+          <p:cNvPr id="4" name="TextBox 3">
+            <a:extLst>
+              <a:ext uri="{FF2B5EF4-FFF2-40B4-BE49-F238E27FC236}">
+                <a16:creationId xmlns:a16="http://schemas.microsoft.com/office/drawing/2014/main" id="{045EBAC0-D53D-4EA9-B71F-B4ABEF313ECB}"/>
+              </a:ext>
+            </a:extLst>
+          </p:cNvPr>
+          <p:cNvSpPr txBox="1"/>
+          <p:nvPr/>
+        </p:nvSpPr>
+        <p:spPr>
+          <a:xfrm>
+            <a:off x="5847374" y="847899"/>
+            <a:ext cx="497252" cy="923330"/>
+          </a:xfrm>
+          <a:prstGeom prst="rect">
+            <a:avLst/>
+          </a:prstGeom>
+          <a:noFill/>
+        </p:spPr>
+        <p:txBody>
+          <a:bodyPr wrap="none" rtlCol="0">
+            <a:spAutoFit/>
+          </a:bodyPr>
+          <a:lstStyle/>
+          <a:p>
+            <a:r>
+              <a:rPr lang="en-US" sz="5400" dirty="0"/>
+              <a:t>8</a:t>
+            </a:r>
+          </a:p>
+        </p:txBody>
+      </p:sp>
+      <p:cxnSp>
+        <p:nvCxnSpPr>
+          <p:cNvPr id="6" name="Straight Connector 5">
+            <a:extLst>
+              <a:ext uri="{FF2B5EF4-FFF2-40B4-BE49-F238E27FC236}">
+                <a16:creationId xmlns:a16="http://schemas.microsoft.com/office/drawing/2014/main" id="{8C184E1D-CF59-4C96-8CCE-250D00DBE68C}"/>
+              </a:ext>
+            </a:extLst>
+          </p:cNvPr>
+          <p:cNvCxnSpPr>
+            <a:cxnSpLocks/>
+            <a:stCxn id="4" idx="2"/>
+          </p:cNvCxnSpPr>
+          <p:nvPr/>
+        </p:nvCxnSpPr>
+        <p:spPr>
+          <a:xfrm>
+            <a:off x="6096000" y="1771229"/>
+            <a:ext cx="0" cy="2875586"/>
+          </a:xfrm>
+          <a:prstGeom prst="line">
+            <a:avLst/>
+          </a:prstGeom>
+          <a:ln w="76200">
+            <a:solidFill>
+              <a:schemeClr val="tx1">
+                <a:lumMod val="50000"/>
+              </a:schemeClr>
+            </a:solidFill>
+          </a:ln>
+        </p:spPr>
+        <p:style>
+          <a:lnRef idx="1">
+            <a:schemeClr val="accent1"/>
+          </a:lnRef>
+          <a:fillRef idx="0">
+            <a:schemeClr val="accent1"/>
+          </a:fillRef>
+          <a:effectRef idx="0">
+            <a:schemeClr val="accent1"/>
+          </a:effectRef>
+          <a:fontRef idx="minor">
+            <a:schemeClr val="tx1"/>
+          </a:fontRef>
+        </p:style>
+      </p:cxnSp>
+      <p:sp>
+        <p:nvSpPr>
+          <p:cNvPr id="8" name="Oval 7">
+            <a:extLst>
+              <a:ext uri="{FF2B5EF4-FFF2-40B4-BE49-F238E27FC236}">
+                <a16:creationId xmlns:a16="http://schemas.microsoft.com/office/drawing/2014/main" id="{D780B0A6-9031-423A-8AC2-37C18347E369}"/>
+              </a:ext>
+            </a:extLst>
+          </p:cNvPr>
+          <p:cNvSpPr/>
+          <p:nvPr/>
+        </p:nvSpPr>
+        <p:spPr>
+          <a:xfrm>
+            <a:off x="5961613" y="2019994"/>
+            <a:ext cx="275706" cy="275706"/>
+          </a:xfrm>
+          <a:prstGeom prst="ellipse">
+            <a:avLst/>
+          </a:prstGeom>
+          <a:solidFill>
+            <a:schemeClr val="tx1">
+              <a:lumMod val="65000"/>
+            </a:schemeClr>
+          </a:solidFill>
+          <a:ln>
+            <a:solidFill>
+              <a:schemeClr val="tx1"/>
+            </a:solidFill>
+          </a:ln>
+        </p:spPr>
+        <p:style>
+          <a:lnRef idx="2">
+            <a:schemeClr val="accent1">
+              <a:shade val="50000"/>
+            </a:schemeClr>
+          </a:lnRef>
+          <a:fillRef idx="1">
+            <a:schemeClr val="accent1"/>
+          </a:fillRef>
+          <a:effectRef idx="0">
+            <a:schemeClr val="accent1"/>
+          </a:effectRef>
+          <a:fontRef idx="minor">
+            <a:schemeClr val="lt1"/>
+          </a:fontRef>
+        </p:style>
+        <p:txBody>
+          <a:bodyPr rtlCol="0" anchor="ctr"/>
+          <a:lstStyle/>
+          <a:p>
+            <a:pPr algn="ctr"/>
+            <a:endParaRPr lang="en-US"/>
+          </a:p>
+        </p:txBody>
+      </p:sp>
+      <p:cxnSp>
+        <p:nvCxnSpPr>
+          <p:cNvPr id="10" name="Straight Arrow Connector 9">
+            <a:extLst>
+              <a:ext uri="{FF2B5EF4-FFF2-40B4-BE49-F238E27FC236}">
+                <a16:creationId xmlns:a16="http://schemas.microsoft.com/office/drawing/2014/main" id="{87A68CCB-8D05-4BD9-BDDE-EE29FEECE518}"/>
+              </a:ext>
+            </a:extLst>
+          </p:cNvPr>
+          <p:cNvCxnSpPr>
+            <a:cxnSpLocks/>
+            <a:stCxn id="11" idx="1"/>
+          </p:cNvCxnSpPr>
+          <p:nvPr/>
+        </p:nvCxnSpPr>
+        <p:spPr>
+          <a:xfrm flipH="1">
+            <a:off x="6650182" y="1246909"/>
+            <a:ext cx="1119594" cy="0"/>
+          </a:xfrm>
+          <a:prstGeom prst="straightConnector1">
+            <a:avLst/>
+          </a:prstGeom>
+          <a:ln w="57150">
+            <a:solidFill>
+              <a:srgbClr val="FFC000"/>
+            </a:solidFill>
+            <a:tailEnd type="triangle"/>
+          </a:ln>
+        </p:spPr>
+        <p:style>
+          <a:lnRef idx="1">
+            <a:schemeClr val="accent1"/>
+          </a:lnRef>
+          <a:fillRef idx="0">
+            <a:schemeClr val="accent1"/>
+          </a:fillRef>
+          <a:effectRef idx="0">
+            <a:schemeClr val="accent1"/>
+          </a:effectRef>
+          <a:fontRef idx="minor">
+            <a:schemeClr val="tx1"/>
+          </a:fontRef>
+        </p:style>
+      </p:cxnSp>
+      <p:sp>
+        <p:nvSpPr>
+          <p:cNvPr id="11" name="TextBox 10">
+            <a:extLst>
+              <a:ext uri="{FF2B5EF4-FFF2-40B4-BE49-F238E27FC236}">
+                <a16:creationId xmlns:a16="http://schemas.microsoft.com/office/drawing/2014/main" id="{345EDC75-7580-4EBA-A325-774C0DF7FACC}"/>
+              </a:ext>
+            </a:extLst>
+          </p:cNvPr>
+          <p:cNvSpPr txBox="1"/>
+          <p:nvPr/>
+        </p:nvSpPr>
+        <p:spPr>
+          <a:xfrm>
+            <a:off x="7769776" y="1062243"/>
+            <a:ext cx="2055371" cy="369332"/>
+          </a:xfrm>
+          <a:prstGeom prst="rect">
+            <a:avLst/>
+          </a:prstGeom>
+          <a:noFill/>
+        </p:spPr>
+        <p:txBody>
+          <a:bodyPr wrap="none" rtlCol="0">
+            <a:spAutoFit/>
+          </a:bodyPr>
+          <a:lstStyle/>
+          <a:p>
+            <a:r>
+              <a:rPr lang="en-US" dirty="0"/>
+              <a:t>Even number. Press J</a:t>
+            </a:r>
+          </a:p>
+        </p:txBody>
+      </p:sp>
+    </p:spTree>
+    <p:extLst>
+      <p:ext uri="{BB962C8B-B14F-4D97-AF65-F5344CB8AC3E}">
+        <p14:creationId xmlns:p14="http://schemas.microsoft.com/office/powerpoint/2010/main" val="708189251"/>
+      </p:ext>
+    </p:extLst>
+  </p:cSld>
+  <p:clrMapOvr>
+    <a:masterClrMapping/>
+  </p:clrMapOvr>
+</p:sld>
+</file>
+
+<file path=ppt/slides/slide18.xml><?xml version="1.0" encoding="utf-8"?>
+<p:sld xmlns:a="http://schemas.openxmlformats.org/drawingml/2006/main" xmlns:r="http://schemas.openxmlformats.org/officeDocument/2006/relationships" xmlns:p="http://schemas.openxmlformats.org/presentationml/2006/main">
+  <p:cSld>
+    <p:spTree>
+      <p:nvGrpSpPr>
+        <p:cNvPr id="1" name=""/>
+        <p:cNvGrpSpPr/>
+        <p:nvPr/>
+      </p:nvGrpSpPr>
+      <p:grpSpPr>
+        <a:xfrm>
+          <a:off x="0" y="0"/>
+          <a:ext cx="0" cy="0"/>
+          <a:chOff x="0" y="0"/>
+          <a:chExt cx="0" cy="0"/>
+        </a:xfrm>
+      </p:grpSpPr>
+      <p:sp>
+        <p:nvSpPr>
+          <p:cNvPr id="4" name="TextBox 3">
+            <a:extLst>
+              <a:ext uri="{FF2B5EF4-FFF2-40B4-BE49-F238E27FC236}">
+                <a16:creationId xmlns:a16="http://schemas.microsoft.com/office/drawing/2014/main" id="{045EBAC0-D53D-4EA9-B71F-B4ABEF313ECB}"/>
+              </a:ext>
+            </a:extLst>
+          </p:cNvPr>
+          <p:cNvSpPr txBox="1"/>
+          <p:nvPr/>
+        </p:nvSpPr>
+        <p:spPr>
+          <a:xfrm>
+            <a:off x="5847374" y="847899"/>
+            <a:ext cx="497252" cy="923330"/>
+          </a:xfrm>
+          <a:prstGeom prst="rect">
+            <a:avLst/>
+          </a:prstGeom>
+          <a:noFill/>
+        </p:spPr>
+        <p:txBody>
+          <a:bodyPr wrap="none" rtlCol="0">
+            <a:spAutoFit/>
+          </a:bodyPr>
+          <a:lstStyle/>
+          <a:p>
+            <a:r>
+              <a:rPr lang="en-US" sz="5400" dirty="0"/>
+              <a:t>2</a:t>
+            </a:r>
+          </a:p>
+        </p:txBody>
+      </p:sp>
+      <p:cxnSp>
+        <p:nvCxnSpPr>
+          <p:cNvPr id="6" name="Straight Connector 5">
+            <a:extLst>
+              <a:ext uri="{FF2B5EF4-FFF2-40B4-BE49-F238E27FC236}">
+                <a16:creationId xmlns:a16="http://schemas.microsoft.com/office/drawing/2014/main" id="{8C184E1D-CF59-4C96-8CCE-250D00DBE68C}"/>
+              </a:ext>
+            </a:extLst>
+          </p:cNvPr>
+          <p:cNvCxnSpPr>
+            <a:cxnSpLocks/>
+            <a:stCxn id="4" idx="2"/>
+          </p:cNvCxnSpPr>
+          <p:nvPr/>
+        </p:nvCxnSpPr>
+        <p:spPr>
+          <a:xfrm>
+            <a:off x="6096000" y="1771229"/>
+            <a:ext cx="0" cy="2875586"/>
+          </a:xfrm>
+          <a:prstGeom prst="line">
+            <a:avLst/>
+          </a:prstGeom>
+          <a:ln w="76200">
+            <a:solidFill>
+              <a:schemeClr val="tx1">
+                <a:lumMod val="50000"/>
+              </a:schemeClr>
+            </a:solidFill>
+          </a:ln>
+        </p:spPr>
+        <p:style>
+          <a:lnRef idx="1">
+            <a:schemeClr val="accent1"/>
+          </a:lnRef>
+          <a:fillRef idx="0">
+            <a:schemeClr val="accent1"/>
+          </a:fillRef>
+          <a:effectRef idx="0">
+            <a:schemeClr val="accent1"/>
+          </a:effectRef>
+          <a:fontRef idx="minor">
+            <a:schemeClr val="tx1"/>
+          </a:fontRef>
+        </p:style>
+      </p:cxnSp>
+      <p:sp>
+        <p:nvSpPr>
+          <p:cNvPr id="8" name="Oval 7">
+            <a:extLst>
+              <a:ext uri="{FF2B5EF4-FFF2-40B4-BE49-F238E27FC236}">
+                <a16:creationId xmlns:a16="http://schemas.microsoft.com/office/drawing/2014/main" id="{D780B0A6-9031-423A-8AC2-37C18347E369}"/>
+              </a:ext>
+            </a:extLst>
+          </p:cNvPr>
+          <p:cNvSpPr/>
+          <p:nvPr/>
+        </p:nvSpPr>
+        <p:spPr>
+          <a:xfrm>
+            <a:off x="5961613" y="3772594"/>
+            <a:ext cx="275706" cy="275706"/>
+          </a:xfrm>
+          <a:prstGeom prst="ellipse">
+            <a:avLst/>
+          </a:prstGeom>
+          <a:solidFill>
+            <a:schemeClr val="tx1">
+              <a:lumMod val="65000"/>
+            </a:schemeClr>
+          </a:solidFill>
+          <a:ln>
+            <a:solidFill>
+              <a:schemeClr val="tx1"/>
+            </a:solidFill>
+          </a:ln>
+        </p:spPr>
+        <p:style>
+          <a:lnRef idx="2">
+            <a:schemeClr val="accent1">
+              <a:shade val="50000"/>
+            </a:schemeClr>
+          </a:lnRef>
+          <a:fillRef idx="1">
+            <a:schemeClr val="accent1"/>
+          </a:fillRef>
+          <a:effectRef idx="0">
+            <a:schemeClr val="accent1"/>
+          </a:effectRef>
+          <a:fontRef idx="minor">
+            <a:schemeClr val="lt1"/>
+          </a:fontRef>
+        </p:style>
+        <p:txBody>
+          <a:bodyPr rtlCol="0" anchor="ctr"/>
+          <a:lstStyle/>
+          <a:p>
+            <a:pPr algn="ctr"/>
+            <a:endParaRPr lang="en-US"/>
+          </a:p>
+        </p:txBody>
+      </p:sp>
+      <p:cxnSp>
+        <p:nvCxnSpPr>
+          <p:cNvPr id="10" name="Straight Arrow Connector 9">
+            <a:extLst>
+              <a:ext uri="{FF2B5EF4-FFF2-40B4-BE49-F238E27FC236}">
+                <a16:creationId xmlns:a16="http://schemas.microsoft.com/office/drawing/2014/main" id="{87A68CCB-8D05-4BD9-BDDE-EE29FEECE518}"/>
+              </a:ext>
+            </a:extLst>
+          </p:cNvPr>
+          <p:cNvCxnSpPr>
+            <a:cxnSpLocks/>
+            <a:stCxn id="11" idx="1"/>
+          </p:cNvCxnSpPr>
+          <p:nvPr/>
+        </p:nvCxnSpPr>
+        <p:spPr>
+          <a:xfrm flipH="1">
+            <a:off x="6650182" y="5056909"/>
+            <a:ext cx="1119594" cy="0"/>
+          </a:xfrm>
+          <a:prstGeom prst="straightConnector1">
+            <a:avLst/>
+          </a:prstGeom>
+          <a:ln w="57150">
+            <a:solidFill>
+              <a:srgbClr val="FFC000"/>
+            </a:solidFill>
+            <a:tailEnd type="triangle"/>
+          </a:ln>
+        </p:spPr>
+        <p:style>
+          <a:lnRef idx="1">
+            <a:schemeClr val="accent1"/>
+          </a:lnRef>
+          <a:fillRef idx="0">
+            <a:schemeClr val="accent1"/>
+          </a:fillRef>
+          <a:effectRef idx="0">
+            <a:schemeClr val="accent1"/>
+          </a:effectRef>
+          <a:fontRef idx="minor">
+            <a:schemeClr val="tx1"/>
+          </a:fontRef>
+        </p:style>
+      </p:cxnSp>
+      <p:sp>
+        <p:nvSpPr>
+          <p:cNvPr id="11" name="TextBox 10">
+            <a:extLst>
+              <a:ext uri="{FF2B5EF4-FFF2-40B4-BE49-F238E27FC236}">
+                <a16:creationId xmlns:a16="http://schemas.microsoft.com/office/drawing/2014/main" id="{345EDC75-7580-4EBA-A325-774C0DF7FACC}"/>
+              </a:ext>
+            </a:extLst>
+          </p:cNvPr>
+          <p:cNvSpPr txBox="1"/>
+          <p:nvPr/>
+        </p:nvSpPr>
+        <p:spPr>
+          <a:xfrm>
+            <a:off x="7769776" y="4872243"/>
+            <a:ext cx="1981633" cy="369332"/>
+          </a:xfrm>
+          <a:prstGeom prst="rect">
+            <a:avLst/>
+          </a:prstGeom>
+          <a:noFill/>
+        </p:spPr>
+        <p:txBody>
+          <a:bodyPr wrap="none" rtlCol="0">
+            <a:spAutoFit/>
+          </a:bodyPr>
+          <a:lstStyle/>
+          <a:p>
+            <a:r>
+              <a:rPr lang="en-US" dirty="0"/>
+              <a:t>More than 5. Press K</a:t>
+            </a:r>
+          </a:p>
+        </p:txBody>
+      </p:sp>
+      <p:sp>
+        <p:nvSpPr>
+          <p:cNvPr id="7" name="TextBox 6">
+            <a:extLst>
+              <a:ext uri="{FF2B5EF4-FFF2-40B4-BE49-F238E27FC236}">
+                <a16:creationId xmlns:a16="http://schemas.microsoft.com/office/drawing/2014/main" id="{13381491-1677-4EE4-AFAE-DADB6416064E}"/>
+              </a:ext>
+            </a:extLst>
+          </p:cNvPr>
+          <p:cNvSpPr txBox="1"/>
+          <p:nvPr/>
+        </p:nvSpPr>
+        <p:spPr>
+          <a:xfrm>
+            <a:off x="5847374" y="4646815"/>
+            <a:ext cx="497252" cy="923330"/>
+          </a:xfrm>
+          <a:prstGeom prst="rect">
+            <a:avLst/>
+          </a:prstGeom>
+          <a:noFill/>
+        </p:spPr>
+        <p:txBody>
+          <a:bodyPr wrap="none" rtlCol="0">
+            <a:spAutoFit/>
+          </a:bodyPr>
+          <a:lstStyle/>
+          <a:p>
+            <a:r>
+              <a:rPr lang="en-US" sz="5400" dirty="0"/>
+              <a:t>8</a:t>
+            </a:r>
+          </a:p>
+        </p:txBody>
+      </p:sp>
+      <p:cxnSp>
+        <p:nvCxnSpPr>
+          <p:cNvPr id="9" name="Straight Arrow Connector 8">
+            <a:extLst>
+              <a:ext uri="{FF2B5EF4-FFF2-40B4-BE49-F238E27FC236}">
+                <a16:creationId xmlns:a16="http://schemas.microsoft.com/office/drawing/2014/main" id="{1535B23B-667E-46EB-B811-2ABC7CFCB5A7}"/>
+              </a:ext>
+            </a:extLst>
+          </p:cNvPr>
+          <p:cNvCxnSpPr>
+            <a:cxnSpLocks/>
+            <a:stCxn id="12" idx="1"/>
+          </p:cNvCxnSpPr>
+          <p:nvPr/>
+        </p:nvCxnSpPr>
+        <p:spPr>
+          <a:xfrm flipH="1">
+            <a:off x="6535882" y="3892209"/>
+            <a:ext cx="1119594" cy="0"/>
+          </a:xfrm>
+          <a:prstGeom prst="straightConnector1">
+            <a:avLst/>
+          </a:prstGeom>
+          <a:ln w="57150">
+            <a:solidFill>
+              <a:srgbClr val="FFC000"/>
+            </a:solidFill>
+            <a:tailEnd type="triangle"/>
+          </a:ln>
+        </p:spPr>
+        <p:style>
+          <a:lnRef idx="1">
+            <a:schemeClr val="accent1"/>
+          </a:lnRef>
+          <a:fillRef idx="0">
+            <a:schemeClr val="accent1"/>
+          </a:fillRef>
+          <a:effectRef idx="0">
+            <a:schemeClr val="accent1"/>
+          </a:effectRef>
+          <a:fontRef idx="minor">
+            <a:schemeClr val="tx1"/>
+          </a:fontRef>
+        </p:style>
+      </p:cxnSp>
+      <p:sp>
+        <p:nvSpPr>
+          <p:cNvPr id="12" name="TextBox 11">
+            <a:extLst>
+              <a:ext uri="{FF2B5EF4-FFF2-40B4-BE49-F238E27FC236}">
+                <a16:creationId xmlns:a16="http://schemas.microsoft.com/office/drawing/2014/main" id="{0282A9FE-C87A-4414-A276-329E8AF62300}"/>
+              </a:ext>
+            </a:extLst>
+          </p:cNvPr>
+          <p:cNvSpPr txBox="1"/>
+          <p:nvPr/>
+        </p:nvSpPr>
+        <p:spPr>
+          <a:xfrm>
+            <a:off x="7655476" y="3707543"/>
+            <a:ext cx="4188967" cy="369332"/>
+          </a:xfrm>
+          <a:prstGeom prst="rect">
+            <a:avLst/>
+          </a:prstGeom>
+          <a:noFill/>
+        </p:spPr>
+        <p:txBody>
+          <a:bodyPr wrap="none" rtlCol="0">
+            <a:spAutoFit/>
+          </a:bodyPr>
+          <a:lstStyle/>
+          <a:p>
+            <a:r>
+              <a:rPr lang="en-US" dirty="0"/>
+              <a:t>Circle is at bottom. Switch to more/less than 5.</a:t>
+            </a:r>
+          </a:p>
+        </p:txBody>
+      </p:sp>
+    </p:spTree>
+    <p:extLst>
+      <p:ext uri="{BB962C8B-B14F-4D97-AF65-F5344CB8AC3E}">
+        <p14:creationId xmlns:p14="http://schemas.microsoft.com/office/powerpoint/2010/main" val="3197287014"/>
+      </p:ext>
+    </p:extLst>
+  </p:cSld>
+  <p:clrMapOvr>
+    <a:masterClrMapping/>
+  </p:clrMapOvr>
+</p:sld>
+</file>
+
+<file path=ppt/slides/slide19.xml><?xml version="1.0" encoding="utf-8"?>
+<p:sld xmlns:a="http://schemas.openxmlformats.org/drawingml/2006/main" xmlns:r="http://schemas.openxmlformats.org/officeDocument/2006/relationships" xmlns:p="http://schemas.openxmlformats.org/presentationml/2006/main">
+  <p:cSld>
+    <p:spTree>
+      <p:nvGrpSpPr>
+        <p:cNvPr id="1" name=""/>
+        <p:cNvGrpSpPr/>
+        <p:nvPr/>
+      </p:nvGrpSpPr>
+      <p:grpSpPr>
+        <a:xfrm>
+          <a:off x="0" y="0"/>
+          <a:ext cx="0" cy="0"/>
+          <a:chOff x="0" y="0"/>
+          <a:chExt cx="0" cy="0"/>
+        </a:xfrm>
+      </p:grpSpPr>
+      <p:sp>
+        <p:nvSpPr>
+          <p:cNvPr id="4" name="TextBox 3">
+            <a:extLst>
+              <a:ext uri="{FF2B5EF4-FFF2-40B4-BE49-F238E27FC236}">
+                <a16:creationId xmlns:a16="http://schemas.microsoft.com/office/drawing/2014/main" id="{045EBAC0-D53D-4EA9-B71F-B4ABEF313ECB}"/>
+              </a:ext>
+            </a:extLst>
+          </p:cNvPr>
+          <p:cNvSpPr txBox="1"/>
+          <p:nvPr/>
+        </p:nvSpPr>
+        <p:spPr>
+          <a:xfrm>
+            <a:off x="5847374" y="847899"/>
+            <a:ext cx="497252" cy="923330"/>
+          </a:xfrm>
+          <a:prstGeom prst="rect">
+            <a:avLst/>
+          </a:prstGeom>
+          <a:noFill/>
+        </p:spPr>
+        <p:txBody>
+          <a:bodyPr wrap="none" rtlCol="0">
+            <a:spAutoFit/>
+          </a:bodyPr>
+          <a:lstStyle/>
+          <a:p>
+            <a:r>
+              <a:rPr lang="en-US" sz="5400" dirty="0"/>
+              <a:t>8</a:t>
+            </a:r>
+          </a:p>
+        </p:txBody>
+      </p:sp>
+      <p:cxnSp>
+        <p:nvCxnSpPr>
+          <p:cNvPr id="6" name="Straight Connector 5">
+            <a:extLst>
+              <a:ext uri="{FF2B5EF4-FFF2-40B4-BE49-F238E27FC236}">
+                <a16:creationId xmlns:a16="http://schemas.microsoft.com/office/drawing/2014/main" id="{8C184E1D-CF59-4C96-8CCE-250D00DBE68C}"/>
+              </a:ext>
+            </a:extLst>
+          </p:cNvPr>
+          <p:cNvCxnSpPr>
+            <a:cxnSpLocks/>
+            <a:stCxn id="4" idx="2"/>
+          </p:cNvCxnSpPr>
+          <p:nvPr/>
+        </p:nvCxnSpPr>
+        <p:spPr>
+          <a:xfrm>
+            <a:off x="6096000" y="1771229"/>
+            <a:ext cx="0" cy="2875586"/>
+          </a:xfrm>
+          <a:prstGeom prst="line">
+            <a:avLst/>
+          </a:prstGeom>
+          <a:ln w="76200">
+            <a:solidFill>
+              <a:schemeClr val="tx1">
+                <a:lumMod val="50000"/>
+              </a:schemeClr>
+            </a:solidFill>
+          </a:ln>
+        </p:spPr>
+        <p:style>
+          <a:lnRef idx="1">
+            <a:schemeClr val="accent1"/>
+          </a:lnRef>
+          <a:fillRef idx="0">
+            <a:schemeClr val="accent1"/>
+          </a:fillRef>
+          <a:effectRef idx="0">
+            <a:schemeClr val="accent1"/>
+          </a:effectRef>
+          <a:fontRef idx="minor">
+            <a:schemeClr val="tx1"/>
+          </a:fontRef>
+        </p:style>
+      </p:cxnSp>
+      <p:sp>
+        <p:nvSpPr>
+          <p:cNvPr id="8" name="Oval 7">
+            <a:extLst>
+              <a:ext uri="{FF2B5EF4-FFF2-40B4-BE49-F238E27FC236}">
+                <a16:creationId xmlns:a16="http://schemas.microsoft.com/office/drawing/2014/main" id="{D780B0A6-9031-423A-8AC2-37C18347E369}"/>
+              </a:ext>
+            </a:extLst>
+          </p:cNvPr>
+          <p:cNvSpPr/>
+          <p:nvPr/>
+        </p:nvSpPr>
+        <p:spPr>
+          <a:xfrm>
+            <a:off x="5961613" y="2019994"/>
+            <a:ext cx="275706" cy="275706"/>
+          </a:xfrm>
+          <a:prstGeom prst="ellipse">
+            <a:avLst/>
+          </a:prstGeom>
+          <a:solidFill>
+            <a:schemeClr val="tx1">
+              <a:lumMod val="65000"/>
+            </a:schemeClr>
+          </a:solidFill>
+          <a:ln>
+            <a:solidFill>
+              <a:schemeClr val="tx1"/>
+            </a:solidFill>
+          </a:ln>
+        </p:spPr>
+        <p:style>
+          <a:lnRef idx="2">
+            <a:schemeClr val="accent1">
+              <a:shade val="50000"/>
+            </a:schemeClr>
+          </a:lnRef>
+          <a:fillRef idx="1">
+            <a:schemeClr val="accent1"/>
+          </a:fillRef>
+          <a:effectRef idx="0">
+            <a:schemeClr val="accent1"/>
+          </a:effectRef>
+          <a:fontRef idx="minor">
+            <a:schemeClr val="lt1"/>
+          </a:fontRef>
+        </p:style>
+        <p:txBody>
+          <a:bodyPr rtlCol="0" anchor="ctr"/>
+          <a:lstStyle/>
+          <a:p>
+            <a:pPr algn="ctr"/>
+            <a:endParaRPr lang="en-US"/>
+          </a:p>
+        </p:txBody>
+      </p:sp>
+      <p:cxnSp>
+        <p:nvCxnSpPr>
+          <p:cNvPr id="10" name="Straight Arrow Connector 9">
+            <a:extLst>
+              <a:ext uri="{FF2B5EF4-FFF2-40B4-BE49-F238E27FC236}">
+                <a16:creationId xmlns:a16="http://schemas.microsoft.com/office/drawing/2014/main" id="{87A68CCB-8D05-4BD9-BDDE-EE29FEECE518}"/>
+              </a:ext>
+            </a:extLst>
+          </p:cNvPr>
+          <p:cNvCxnSpPr>
+            <a:cxnSpLocks/>
+            <a:stCxn id="11" idx="1"/>
+          </p:cNvCxnSpPr>
+          <p:nvPr/>
+        </p:nvCxnSpPr>
+        <p:spPr>
+          <a:xfrm flipH="1">
+            <a:off x="6650182" y="1246909"/>
+            <a:ext cx="1119594" cy="0"/>
+          </a:xfrm>
+          <a:prstGeom prst="straightConnector1">
+            <a:avLst/>
+          </a:prstGeom>
+          <a:ln w="57150">
+            <a:solidFill>
+              <a:srgbClr val="FFC000"/>
+            </a:solidFill>
+            <a:tailEnd type="triangle"/>
+          </a:ln>
+        </p:spPr>
+        <p:style>
+          <a:lnRef idx="1">
+            <a:schemeClr val="accent1"/>
+          </a:lnRef>
+          <a:fillRef idx="0">
+            <a:schemeClr val="accent1"/>
+          </a:fillRef>
+          <a:effectRef idx="0">
+            <a:schemeClr val="accent1"/>
+          </a:effectRef>
+          <a:fontRef idx="minor">
+            <a:schemeClr val="tx1"/>
+          </a:fontRef>
+        </p:style>
+      </p:cxnSp>
+      <p:sp>
+        <p:nvSpPr>
+          <p:cNvPr id="11" name="TextBox 10">
+            <a:extLst>
+              <a:ext uri="{FF2B5EF4-FFF2-40B4-BE49-F238E27FC236}">
+                <a16:creationId xmlns:a16="http://schemas.microsoft.com/office/drawing/2014/main" id="{345EDC75-7580-4EBA-A325-774C0DF7FACC}"/>
+              </a:ext>
+            </a:extLst>
+          </p:cNvPr>
+          <p:cNvSpPr txBox="1"/>
+          <p:nvPr/>
+        </p:nvSpPr>
+        <p:spPr>
+          <a:xfrm>
+            <a:off x="7769776" y="1062243"/>
+            <a:ext cx="2055371" cy="369332"/>
+          </a:xfrm>
+          <a:prstGeom prst="rect">
+            <a:avLst/>
+          </a:prstGeom>
+          <a:noFill/>
+        </p:spPr>
+        <p:txBody>
+          <a:bodyPr wrap="none" rtlCol="0">
+            <a:spAutoFit/>
+          </a:bodyPr>
+          <a:lstStyle/>
+          <a:p>
+            <a:r>
+              <a:rPr lang="en-US" dirty="0"/>
+              <a:t>Even number. Press J</a:t>
+            </a:r>
+          </a:p>
+        </p:txBody>
+      </p:sp>
+    </p:spTree>
+    <p:extLst>
+      <p:ext uri="{BB962C8B-B14F-4D97-AF65-F5344CB8AC3E}">
+        <p14:creationId xmlns:p14="http://schemas.microsoft.com/office/powerpoint/2010/main" val="1924718153"/>
       </p:ext>
     </p:extLst>
   </p:cSld>
@@ -4852,6 +6139,770 @@
 </p:sld>
 </file>
 
+<file path=ppt/slides/slide20.xml><?xml version="1.0" encoding="utf-8"?>
+<p:sld xmlns:a="http://schemas.openxmlformats.org/drawingml/2006/main" xmlns:r="http://schemas.openxmlformats.org/officeDocument/2006/relationships" xmlns:p="http://schemas.openxmlformats.org/presentationml/2006/main">
+  <p:cSld>
+    <p:spTree>
+      <p:nvGrpSpPr>
+        <p:cNvPr id="1" name=""/>
+        <p:cNvGrpSpPr/>
+        <p:nvPr/>
+      </p:nvGrpSpPr>
+      <p:grpSpPr>
+        <a:xfrm>
+          <a:off x="0" y="0"/>
+          <a:ext cx="0" cy="0"/>
+          <a:chOff x="0" y="0"/>
+          <a:chExt cx="0" cy="0"/>
+        </a:xfrm>
+      </p:grpSpPr>
+      <p:sp>
+        <p:nvSpPr>
+          <p:cNvPr id="4" name="TextBox 3">
+            <a:extLst>
+              <a:ext uri="{FF2B5EF4-FFF2-40B4-BE49-F238E27FC236}">
+                <a16:creationId xmlns:a16="http://schemas.microsoft.com/office/drawing/2014/main" id="{045EBAC0-D53D-4EA9-B71F-B4ABEF313ECB}"/>
+              </a:ext>
+            </a:extLst>
+          </p:cNvPr>
+          <p:cNvSpPr txBox="1"/>
+          <p:nvPr/>
+        </p:nvSpPr>
+        <p:spPr>
+          <a:xfrm>
+            <a:off x="5847374" y="847899"/>
+            <a:ext cx="497252" cy="923330"/>
+          </a:xfrm>
+          <a:prstGeom prst="rect">
+            <a:avLst/>
+          </a:prstGeom>
+          <a:noFill/>
+        </p:spPr>
+        <p:txBody>
+          <a:bodyPr wrap="none" rtlCol="0">
+            <a:spAutoFit/>
+          </a:bodyPr>
+          <a:lstStyle/>
+          <a:p>
+            <a:r>
+              <a:rPr lang="en-US" sz="5400" dirty="0"/>
+              <a:t>1</a:t>
+            </a:r>
+          </a:p>
+        </p:txBody>
+      </p:sp>
+      <p:cxnSp>
+        <p:nvCxnSpPr>
+          <p:cNvPr id="6" name="Straight Connector 5">
+            <a:extLst>
+              <a:ext uri="{FF2B5EF4-FFF2-40B4-BE49-F238E27FC236}">
+                <a16:creationId xmlns:a16="http://schemas.microsoft.com/office/drawing/2014/main" id="{8C184E1D-CF59-4C96-8CCE-250D00DBE68C}"/>
+              </a:ext>
+            </a:extLst>
+          </p:cNvPr>
+          <p:cNvCxnSpPr>
+            <a:cxnSpLocks/>
+            <a:stCxn id="4" idx="2"/>
+          </p:cNvCxnSpPr>
+          <p:nvPr/>
+        </p:nvCxnSpPr>
+        <p:spPr>
+          <a:xfrm>
+            <a:off x="6096000" y="1771229"/>
+            <a:ext cx="0" cy="2875586"/>
+          </a:xfrm>
+          <a:prstGeom prst="line">
+            <a:avLst/>
+          </a:prstGeom>
+          <a:ln w="76200">
+            <a:solidFill>
+              <a:schemeClr val="tx1">
+                <a:lumMod val="50000"/>
+              </a:schemeClr>
+            </a:solidFill>
+          </a:ln>
+        </p:spPr>
+        <p:style>
+          <a:lnRef idx="1">
+            <a:schemeClr val="accent1"/>
+          </a:lnRef>
+          <a:fillRef idx="0">
+            <a:schemeClr val="accent1"/>
+          </a:fillRef>
+          <a:effectRef idx="0">
+            <a:schemeClr val="accent1"/>
+          </a:effectRef>
+          <a:fontRef idx="minor">
+            <a:schemeClr val="tx1"/>
+          </a:fontRef>
+        </p:style>
+      </p:cxnSp>
+      <p:sp>
+        <p:nvSpPr>
+          <p:cNvPr id="8" name="Oval 7">
+            <a:extLst>
+              <a:ext uri="{FF2B5EF4-FFF2-40B4-BE49-F238E27FC236}">
+                <a16:creationId xmlns:a16="http://schemas.microsoft.com/office/drawing/2014/main" id="{D780B0A6-9031-423A-8AC2-37C18347E369}"/>
+              </a:ext>
+            </a:extLst>
+          </p:cNvPr>
+          <p:cNvSpPr/>
+          <p:nvPr/>
+        </p:nvSpPr>
+        <p:spPr>
+          <a:xfrm>
+            <a:off x="5961613" y="2019994"/>
+            <a:ext cx="275706" cy="275706"/>
+          </a:xfrm>
+          <a:prstGeom prst="ellipse">
+            <a:avLst/>
+          </a:prstGeom>
+          <a:solidFill>
+            <a:schemeClr val="tx1">
+              <a:lumMod val="65000"/>
+            </a:schemeClr>
+          </a:solidFill>
+          <a:ln>
+            <a:solidFill>
+              <a:schemeClr val="tx1"/>
+            </a:solidFill>
+          </a:ln>
+        </p:spPr>
+        <p:style>
+          <a:lnRef idx="2">
+            <a:schemeClr val="accent1">
+              <a:shade val="50000"/>
+            </a:schemeClr>
+          </a:lnRef>
+          <a:fillRef idx="1">
+            <a:schemeClr val="accent1"/>
+          </a:fillRef>
+          <a:effectRef idx="0">
+            <a:schemeClr val="accent1"/>
+          </a:effectRef>
+          <a:fontRef idx="minor">
+            <a:schemeClr val="lt1"/>
+          </a:fontRef>
+        </p:style>
+        <p:txBody>
+          <a:bodyPr rtlCol="0" anchor="ctr"/>
+          <a:lstStyle/>
+          <a:p>
+            <a:pPr algn="ctr"/>
+            <a:endParaRPr lang="en-US"/>
+          </a:p>
+        </p:txBody>
+      </p:sp>
+      <p:cxnSp>
+        <p:nvCxnSpPr>
+          <p:cNvPr id="10" name="Straight Arrow Connector 9">
+            <a:extLst>
+              <a:ext uri="{FF2B5EF4-FFF2-40B4-BE49-F238E27FC236}">
+                <a16:creationId xmlns:a16="http://schemas.microsoft.com/office/drawing/2014/main" id="{87A68CCB-8D05-4BD9-BDDE-EE29FEECE518}"/>
+              </a:ext>
+            </a:extLst>
+          </p:cNvPr>
+          <p:cNvCxnSpPr>
+            <a:cxnSpLocks/>
+            <a:stCxn id="11" idx="1"/>
+          </p:cNvCxnSpPr>
+          <p:nvPr/>
+        </p:nvCxnSpPr>
+        <p:spPr>
+          <a:xfrm flipH="1">
+            <a:off x="6650182" y="1246909"/>
+            <a:ext cx="1119594" cy="0"/>
+          </a:xfrm>
+          <a:prstGeom prst="straightConnector1">
+            <a:avLst/>
+          </a:prstGeom>
+          <a:ln w="57150">
+            <a:solidFill>
+              <a:srgbClr val="FFC000"/>
+            </a:solidFill>
+            <a:tailEnd type="triangle"/>
+          </a:ln>
+        </p:spPr>
+        <p:style>
+          <a:lnRef idx="1">
+            <a:schemeClr val="accent1"/>
+          </a:lnRef>
+          <a:fillRef idx="0">
+            <a:schemeClr val="accent1"/>
+          </a:fillRef>
+          <a:effectRef idx="0">
+            <a:schemeClr val="accent1"/>
+          </a:effectRef>
+          <a:fontRef idx="minor">
+            <a:schemeClr val="tx1"/>
+          </a:fontRef>
+        </p:style>
+      </p:cxnSp>
+      <p:sp>
+        <p:nvSpPr>
+          <p:cNvPr id="11" name="TextBox 10">
+            <a:extLst>
+              <a:ext uri="{FF2B5EF4-FFF2-40B4-BE49-F238E27FC236}">
+                <a16:creationId xmlns:a16="http://schemas.microsoft.com/office/drawing/2014/main" id="{345EDC75-7580-4EBA-A325-774C0DF7FACC}"/>
+              </a:ext>
+            </a:extLst>
+          </p:cNvPr>
+          <p:cNvSpPr txBox="1"/>
+          <p:nvPr/>
+        </p:nvSpPr>
+        <p:spPr>
+          <a:xfrm>
+            <a:off x="7769776" y="1062243"/>
+            <a:ext cx="2010487" cy="369332"/>
+          </a:xfrm>
+          <a:prstGeom prst="rect">
+            <a:avLst/>
+          </a:prstGeom>
+          <a:noFill/>
+        </p:spPr>
+        <p:txBody>
+          <a:bodyPr wrap="none" rtlCol="0">
+            <a:spAutoFit/>
+          </a:bodyPr>
+          <a:lstStyle/>
+          <a:p>
+            <a:r>
+              <a:rPr lang="en-US" dirty="0"/>
+              <a:t>Odd number. Press F</a:t>
+            </a:r>
+          </a:p>
+        </p:txBody>
+      </p:sp>
+    </p:spTree>
+    <p:extLst>
+      <p:ext uri="{BB962C8B-B14F-4D97-AF65-F5344CB8AC3E}">
+        <p14:creationId xmlns:p14="http://schemas.microsoft.com/office/powerpoint/2010/main" val="3237874396"/>
+      </p:ext>
+    </p:extLst>
+  </p:cSld>
+  <p:clrMapOvr>
+    <a:masterClrMapping/>
+  </p:clrMapOvr>
+</p:sld>
+</file>
+
+<file path=ppt/slides/slide21.xml><?xml version="1.0" encoding="utf-8"?>
+<p:sld xmlns:a="http://schemas.openxmlformats.org/drawingml/2006/main" xmlns:r="http://schemas.openxmlformats.org/officeDocument/2006/relationships" xmlns:p="http://schemas.openxmlformats.org/presentationml/2006/main">
+  <p:cSld>
+    <p:spTree>
+      <p:nvGrpSpPr>
+        <p:cNvPr id="1" name=""/>
+        <p:cNvGrpSpPr/>
+        <p:nvPr/>
+      </p:nvGrpSpPr>
+      <p:grpSpPr>
+        <a:xfrm>
+          <a:off x="0" y="0"/>
+          <a:ext cx="0" cy="0"/>
+          <a:chOff x="0" y="0"/>
+          <a:chExt cx="0" cy="0"/>
+        </a:xfrm>
+      </p:grpSpPr>
+      <p:sp>
+        <p:nvSpPr>
+          <p:cNvPr id="4" name="TextBox 3">
+            <a:extLst>
+              <a:ext uri="{FF2B5EF4-FFF2-40B4-BE49-F238E27FC236}">
+                <a16:creationId xmlns:a16="http://schemas.microsoft.com/office/drawing/2014/main" id="{045EBAC0-D53D-4EA9-B71F-B4ABEF313ECB}"/>
+              </a:ext>
+            </a:extLst>
+          </p:cNvPr>
+          <p:cNvSpPr txBox="1"/>
+          <p:nvPr/>
+        </p:nvSpPr>
+        <p:spPr>
+          <a:xfrm>
+            <a:off x="5847374" y="847899"/>
+            <a:ext cx="497252" cy="923330"/>
+          </a:xfrm>
+          <a:prstGeom prst="rect">
+            <a:avLst/>
+          </a:prstGeom>
+          <a:noFill/>
+        </p:spPr>
+        <p:txBody>
+          <a:bodyPr wrap="none" rtlCol="0">
+            <a:spAutoFit/>
+          </a:bodyPr>
+          <a:lstStyle/>
+          <a:p>
+            <a:r>
+              <a:rPr lang="en-US" sz="5400" dirty="0"/>
+              <a:t>1</a:t>
+            </a:r>
+          </a:p>
+        </p:txBody>
+      </p:sp>
+      <p:cxnSp>
+        <p:nvCxnSpPr>
+          <p:cNvPr id="6" name="Straight Connector 5">
+            <a:extLst>
+              <a:ext uri="{FF2B5EF4-FFF2-40B4-BE49-F238E27FC236}">
+                <a16:creationId xmlns:a16="http://schemas.microsoft.com/office/drawing/2014/main" id="{8C184E1D-CF59-4C96-8CCE-250D00DBE68C}"/>
+              </a:ext>
+            </a:extLst>
+          </p:cNvPr>
+          <p:cNvCxnSpPr>
+            <a:cxnSpLocks/>
+            <a:stCxn id="4" idx="2"/>
+          </p:cNvCxnSpPr>
+          <p:nvPr/>
+        </p:nvCxnSpPr>
+        <p:spPr>
+          <a:xfrm>
+            <a:off x="6096000" y="1771229"/>
+            <a:ext cx="0" cy="2875586"/>
+          </a:xfrm>
+          <a:prstGeom prst="line">
+            <a:avLst/>
+          </a:prstGeom>
+          <a:ln w="76200">
+            <a:solidFill>
+              <a:schemeClr val="tx1">
+                <a:lumMod val="50000"/>
+              </a:schemeClr>
+            </a:solidFill>
+          </a:ln>
+        </p:spPr>
+        <p:style>
+          <a:lnRef idx="1">
+            <a:schemeClr val="accent1"/>
+          </a:lnRef>
+          <a:fillRef idx="0">
+            <a:schemeClr val="accent1"/>
+          </a:fillRef>
+          <a:effectRef idx="0">
+            <a:schemeClr val="accent1"/>
+          </a:effectRef>
+          <a:fontRef idx="minor">
+            <a:schemeClr val="tx1"/>
+          </a:fontRef>
+        </p:style>
+      </p:cxnSp>
+      <p:sp>
+        <p:nvSpPr>
+          <p:cNvPr id="8" name="Oval 7">
+            <a:extLst>
+              <a:ext uri="{FF2B5EF4-FFF2-40B4-BE49-F238E27FC236}">
+                <a16:creationId xmlns:a16="http://schemas.microsoft.com/office/drawing/2014/main" id="{D780B0A6-9031-423A-8AC2-37C18347E369}"/>
+              </a:ext>
+            </a:extLst>
+          </p:cNvPr>
+          <p:cNvSpPr/>
+          <p:nvPr/>
+        </p:nvSpPr>
+        <p:spPr>
+          <a:xfrm>
+            <a:off x="5961613" y="3046230"/>
+            <a:ext cx="275706" cy="275706"/>
+          </a:xfrm>
+          <a:prstGeom prst="ellipse">
+            <a:avLst/>
+          </a:prstGeom>
+          <a:solidFill>
+            <a:schemeClr val="tx1">
+              <a:lumMod val="65000"/>
+            </a:schemeClr>
+          </a:solidFill>
+          <a:ln>
+            <a:solidFill>
+              <a:schemeClr val="tx1"/>
+            </a:solidFill>
+          </a:ln>
+        </p:spPr>
+        <p:style>
+          <a:lnRef idx="2">
+            <a:schemeClr val="accent1">
+              <a:shade val="50000"/>
+            </a:schemeClr>
+          </a:lnRef>
+          <a:fillRef idx="1">
+            <a:schemeClr val="accent1"/>
+          </a:fillRef>
+          <a:effectRef idx="0">
+            <a:schemeClr val="accent1"/>
+          </a:effectRef>
+          <a:fontRef idx="minor">
+            <a:schemeClr val="lt1"/>
+          </a:fontRef>
+        </p:style>
+        <p:txBody>
+          <a:bodyPr rtlCol="0" anchor="ctr"/>
+          <a:lstStyle/>
+          <a:p>
+            <a:pPr algn="ctr"/>
+            <a:endParaRPr lang="en-US"/>
+          </a:p>
+        </p:txBody>
+      </p:sp>
+      <p:cxnSp>
+        <p:nvCxnSpPr>
+          <p:cNvPr id="10" name="Straight Arrow Connector 9">
+            <a:extLst>
+              <a:ext uri="{FF2B5EF4-FFF2-40B4-BE49-F238E27FC236}">
+                <a16:creationId xmlns:a16="http://schemas.microsoft.com/office/drawing/2014/main" id="{87A68CCB-8D05-4BD9-BDDE-EE29FEECE518}"/>
+              </a:ext>
+            </a:extLst>
+          </p:cNvPr>
+          <p:cNvCxnSpPr>
+            <a:cxnSpLocks/>
+            <a:stCxn id="11" idx="1"/>
+          </p:cNvCxnSpPr>
+          <p:nvPr/>
+        </p:nvCxnSpPr>
+        <p:spPr>
+          <a:xfrm flipH="1">
+            <a:off x="6650182" y="1246909"/>
+            <a:ext cx="1119594" cy="0"/>
+          </a:xfrm>
+          <a:prstGeom prst="straightConnector1">
+            <a:avLst/>
+          </a:prstGeom>
+          <a:ln w="57150">
+            <a:solidFill>
+              <a:srgbClr val="FFC000"/>
+            </a:solidFill>
+            <a:tailEnd type="triangle"/>
+          </a:ln>
+        </p:spPr>
+        <p:style>
+          <a:lnRef idx="1">
+            <a:schemeClr val="accent1"/>
+          </a:lnRef>
+          <a:fillRef idx="0">
+            <a:schemeClr val="accent1"/>
+          </a:fillRef>
+          <a:effectRef idx="0">
+            <a:schemeClr val="accent1"/>
+          </a:effectRef>
+          <a:fontRef idx="minor">
+            <a:schemeClr val="tx1"/>
+          </a:fontRef>
+        </p:style>
+      </p:cxnSp>
+      <p:sp>
+        <p:nvSpPr>
+          <p:cNvPr id="11" name="TextBox 10">
+            <a:extLst>
+              <a:ext uri="{FF2B5EF4-FFF2-40B4-BE49-F238E27FC236}">
+                <a16:creationId xmlns:a16="http://schemas.microsoft.com/office/drawing/2014/main" id="{345EDC75-7580-4EBA-A325-774C0DF7FACC}"/>
+              </a:ext>
+            </a:extLst>
+          </p:cNvPr>
+          <p:cNvSpPr txBox="1"/>
+          <p:nvPr/>
+        </p:nvSpPr>
+        <p:spPr>
+          <a:xfrm>
+            <a:off x="7769776" y="1062243"/>
+            <a:ext cx="2010487" cy="369332"/>
+          </a:xfrm>
+          <a:prstGeom prst="rect">
+            <a:avLst/>
+          </a:prstGeom>
+          <a:noFill/>
+        </p:spPr>
+        <p:txBody>
+          <a:bodyPr wrap="none" rtlCol="0">
+            <a:spAutoFit/>
+          </a:bodyPr>
+          <a:lstStyle/>
+          <a:p>
+            <a:r>
+              <a:rPr lang="en-US" dirty="0"/>
+              <a:t>Odd number. Press F</a:t>
+            </a:r>
+          </a:p>
+        </p:txBody>
+      </p:sp>
+      <p:cxnSp>
+        <p:nvCxnSpPr>
+          <p:cNvPr id="13" name="Straight Arrow Connector 12">
+            <a:extLst>
+              <a:ext uri="{FF2B5EF4-FFF2-40B4-BE49-F238E27FC236}">
+                <a16:creationId xmlns:a16="http://schemas.microsoft.com/office/drawing/2014/main" id="{F9DE2645-36AB-479C-9EFC-8E33E01A510A}"/>
+              </a:ext>
+            </a:extLst>
+          </p:cNvPr>
+          <p:cNvCxnSpPr>
+            <a:cxnSpLocks/>
+            <a:stCxn id="14" idx="1"/>
+          </p:cNvCxnSpPr>
+          <p:nvPr/>
+        </p:nvCxnSpPr>
+        <p:spPr>
+          <a:xfrm flipH="1">
+            <a:off x="6371707" y="4998099"/>
+            <a:ext cx="1119594" cy="0"/>
+          </a:xfrm>
+          <a:prstGeom prst="straightConnector1">
+            <a:avLst/>
+          </a:prstGeom>
+          <a:ln w="57150">
+            <a:solidFill>
+              <a:srgbClr val="FFC000"/>
+            </a:solidFill>
+            <a:tailEnd type="triangle"/>
+          </a:ln>
+        </p:spPr>
+        <p:style>
+          <a:lnRef idx="1">
+            <a:schemeClr val="accent1"/>
+          </a:lnRef>
+          <a:fillRef idx="0">
+            <a:schemeClr val="accent1"/>
+          </a:fillRef>
+          <a:effectRef idx="0">
+            <a:schemeClr val="accent1"/>
+          </a:effectRef>
+          <a:fontRef idx="minor">
+            <a:schemeClr val="tx1"/>
+          </a:fontRef>
+        </p:style>
+      </p:cxnSp>
+      <p:sp>
+        <p:nvSpPr>
+          <p:cNvPr id="14" name="TextBox 13">
+            <a:extLst>
+              <a:ext uri="{FF2B5EF4-FFF2-40B4-BE49-F238E27FC236}">
+                <a16:creationId xmlns:a16="http://schemas.microsoft.com/office/drawing/2014/main" id="{EF1612D5-BD5F-46FC-BA84-ACD73AD6C2DB}"/>
+              </a:ext>
+            </a:extLst>
+          </p:cNvPr>
+          <p:cNvSpPr txBox="1"/>
+          <p:nvPr/>
+        </p:nvSpPr>
+        <p:spPr>
+          <a:xfrm>
+            <a:off x="7491301" y="4813433"/>
+            <a:ext cx="1981633" cy="369332"/>
+          </a:xfrm>
+          <a:prstGeom prst="rect">
+            <a:avLst/>
+          </a:prstGeom>
+          <a:noFill/>
+        </p:spPr>
+        <p:txBody>
+          <a:bodyPr wrap="none" rtlCol="0">
+            <a:spAutoFit/>
+          </a:bodyPr>
+          <a:lstStyle/>
+          <a:p>
+            <a:r>
+              <a:rPr lang="en-US" dirty="0"/>
+              <a:t>More than 5. Press K</a:t>
+            </a:r>
+          </a:p>
+        </p:txBody>
+      </p:sp>
+      <p:sp>
+        <p:nvSpPr>
+          <p:cNvPr id="15" name="TextBox 14">
+            <a:extLst>
+              <a:ext uri="{FF2B5EF4-FFF2-40B4-BE49-F238E27FC236}">
+                <a16:creationId xmlns:a16="http://schemas.microsoft.com/office/drawing/2014/main" id="{3356F6D7-3E22-4C2E-85FC-7AB8FE48A352}"/>
+              </a:ext>
+            </a:extLst>
+          </p:cNvPr>
+          <p:cNvSpPr txBox="1"/>
+          <p:nvPr/>
+        </p:nvSpPr>
+        <p:spPr>
+          <a:xfrm>
+            <a:off x="5858460" y="4646815"/>
+            <a:ext cx="497252" cy="923330"/>
+          </a:xfrm>
+          <a:prstGeom prst="rect">
+            <a:avLst/>
+          </a:prstGeom>
+          <a:noFill/>
+        </p:spPr>
+        <p:txBody>
+          <a:bodyPr wrap="none" rtlCol="0">
+            <a:spAutoFit/>
+          </a:bodyPr>
+          <a:lstStyle/>
+          <a:p>
+            <a:r>
+              <a:rPr lang="en-US" sz="5400" dirty="0"/>
+              <a:t>8</a:t>
+            </a:r>
+          </a:p>
+        </p:txBody>
+      </p:sp>
+      <p:cxnSp>
+        <p:nvCxnSpPr>
+          <p:cNvPr id="16" name="Straight Arrow Connector 15">
+            <a:extLst>
+              <a:ext uri="{FF2B5EF4-FFF2-40B4-BE49-F238E27FC236}">
+                <a16:creationId xmlns:a16="http://schemas.microsoft.com/office/drawing/2014/main" id="{3C9A1BD7-F791-4920-8D20-578CEC905E4D}"/>
+              </a:ext>
+            </a:extLst>
+          </p:cNvPr>
+          <p:cNvCxnSpPr>
+            <a:cxnSpLocks/>
+            <a:stCxn id="17" idx="1"/>
+          </p:cNvCxnSpPr>
+          <p:nvPr/>
+        </p:nvCxnSpPr>
+        <p:spPr>
+          <a:xfrm flipH="1">
+            <a:off x="6371706" y="3189362"/>
+            <a:ext cx="1119595" cy="0"/>
+          </a:xfrm>
+          <a:prstGeom prst="straightConnector1">
+            <a:avLst/>
+          </a:prstGeom>
+          <a:ln w="57150">
+            <a:solidFill>
+              <a:srgbClr val="FFC000"/>
+            </a:solidFill>
+            <a:tailEnd type="triangle"/>
+          </a:ln>
+        </p:spPr>
+        <p:style>
+          <a:lnRef idx="1">
+            <a:schemeClr val="accent1"/>
+          </a:lnRef>
+          <a:fillRef idx="0">
+            <a:schemeClr val="accent1"/>
+          </a:fillRef>
+          <a:effectRef idx="0">
+            <a:schemeClr val="accent1"/>
+          </a:effectRef>
+          <a:fontRef idx="minor">
+            <a:schemeClr val="tx1"/>
+          </a:fontRef>
+        </p:style>
+      </p:cxnSp>
+      <p:sp>
+        <p:nvSpPr>
+          <p:cNvPr id="17" name="TextBox 16">
+            <a:extLst>
+              <a:ext uri="{FF2B5EF4-FFF2-40B4-BE49-F238E27FC236}">
+                <a16:creationId xmlns:a16="http://schemas.microsoft.com/office/drawing/2014/main" id="{2A1F95D2-E8AE-46E6-8300-203B9042CC1C}"/>
+              </a:ext>
+            </a:extLst>
+          </p:cNvPr>
+          <p:cNvSpPr txBox="1"/>
+          <p:nvPr/>
+        </p:nvSpPr>
+        <p:spPr>
+          <a:xfrm>
+            <a:off x="7491301" y="2866196"/>
+            <a:ext cx="3805696" cy="646331"/>
+          </a:xfrm>
+          <a:prstGeom prst="rect">
+            <a:avLst/>
+          </a:prstGeom>
+          <a:noFill/>
+        </p:spPr>
+        <p:txBody>
+          <a:bodyPr wrap="square" rtlCol="0">
+            <a:spAutoFit/>
+          </a:bodyPr>
+          <a:lstStyle/>
+          <a:p>
+            <a:r>
+              <a:rPr lang="en-US" dirty="0"/>
+              <a:t>Circle is at middle. Decide if you want to perform the bottom or top task</a:t>
+            </a:r>
+          </a:p>
+        </p:txBody>
+      </p:sp>
+    </p:spTree>
+    <p:extLst>
+      <p:ext uri="{BB962C8B-B14F-4D97-AF65-F5344CB8AC3E}">
+        <p14:creationId xmlns:p14="http://schemas.microsoft.com/office/powerpoint/2010/main" val="1151724970"/>
+      </p:ext>
+    </p:extLst>
+  </p:cSld>
+  <p:clrMapOvr>
+    <a:masterClrMapping/>
+  </p:clrMapOvr>
+</p:sld>
+</file>
+
+<file path=ppt/slides/slide22.xml><?xml version="1.0" encoding="utf-8"?>
+<p:sld xmlns:a="http://schemas.openxmlformats.org/drawingml/2006/main" xmlns:r="http://schemas.openxmlformats.org/officeDocument/2006/relationships" xmlns:p="http://schemas.openxmlformats.org/presentationml/2006/main">
+  <p:cSld>
+    <p:spTree>
+      <p:nvGrpSpPr>
+        <p:cNvPr id="1" name=""/>
+        <p:cNvGrpSpPr/>
+        <p:nvPr/>
+      </p:nvGrpSpPr>
+      <p:grpSpPr>
+        <a:xfrm>
+          <a:off x="0" y="0"/>
+          <a:ext cx="0" cy="0"/>
+          <a:chOff x="0" y="0"/>
+          <a:chExt cx="0" cy="0"/>
+        </a:xfrm>
+      </p:grpSpPr>
+      <p:sp>
+        <p:nvSpPr>
+          <p:cNvPr id="3" name="Content Placeholder 2">
+            <a:extLst>
+              <a:ext uri="{FF2B5EF4-FFF2-40B4-BE49-F238E27FC236}">
+                <a16:creationId xmlns:a16="http://schemas.microsoft.com/office/drawing/2014/main" id="{0E15F1CA-1121-4121-A125-AE2B0D19948F}"/>
+              </a:ext>
+            </a:extLst>
+          </p:cNvPr>
+          <p:cNvSpPr>
+            <a:spLocks noGrp="1"/>
+          </p:cNvSpPr>
+          <p:nvPr>
+            <p:ph idx="1"/>
+          </p:nvPr>
+        </p:nvSpPr>
+        <p:spPr>
+          <a:xfrm>
+            <a:off x="838200" y="731520"/>
+            <a:ext cx="10515600" cy="5445443"/>
+          </a:xfrm>
+        </p:spPr>
+        <p:txBody>
+          <a:bodyPr anchor="ctr"/>
+          <a:lstStyle/>
+          <a:p>
+            <a:pPr marL="0" indent="0" algn="ctr">
+              <a:buNone/>
+            </a:pPr>
+            <a:r>
+              <a:rPr lang="en-US" dirty="0"/>
+              <a:t>This is the end of the instructions and demonstration.</a:t>
+            </a:r>
+          </a:p>
+          <a:p>
+            <a:pPr marL="0" indent="0" algn="ctr">
+              <a:buNone/>
+            </a:pPr>
+            <a:r>
+              <a:rPr lang="en-US" dirty="0"/>
+              <a:t>Please notify the researcher.</a:t>
+            </a:r>
+          </a:p>
+        </p:txBody>
+      </p:sp>
+    </p:spTree>
+    <p:extLst>
+      <p:ext uri="{BB962C8B-B14F-4D97-AF65-F5344CB8AC3E}">
+        <p14:creationId xmlns:p14="http://schemas.microsoft.com/office/powerpoint/2010/main" val="3585429399"/>
+      </p:ext>
+    </p:extLst>
+  </p:cSld>
+  <p:clrMapOvr>
+    <a:masterClrMapping/>
+  </p:clrMapOvr>
+</p:sld>
+</file>
+
 <file path=ppt/slides/slide3.xml><?xml version="1.0" encoding="utf-8"?>
 <p:sld xmlns:a="http://schemas.openxmlformats.org/drawingml/2006/main" xmlns:r="http://schemas.openxmlformats.org/officeDocument/2006/relationships" xmlns:p="http://schemas.openxmlformats.org/presentationml/2006/main">
   <p:cSld>
@@ -4871,136 +6922,217 @@
       </p:grpSpPr>
       <p:sp>
         <p:nvSpPr>
-          <p:cNvPr id="3" name="Content Placeholder 2">
-            <a:extLst>
-              <a:ext uri="{FF2B5EF4-FFF2-40B4-BE49-F238E27FC236}">
-                <a16:creationId xmlns:a16="http://schemas.microsoft.com/office/drawing/2014/main" id="{0E15F1CA-1121-4121-A125-AE2B0D19948F}"/>
-              </a:ext>
-            </a:extLst>
-          </p:cNvPr>
-          <p:cNvSpPr>
-            <a:spLocks noGrp="1"/>
-          </p:cNvSpPr>
-          <p:nvPr>
-            <p:ph idx="1"/>
-          </p:nvPr>
-        </p:nvSpPr>
-        <p:spPr>
-          <a:xfrm>
-            <a:off x="838200" y="731520"/>
-            <a:ext cx="10515600" cy="5445443"/>
-          </a:xfrm>
-        </p:spPr>
-        <p:txBody>
-          <a:bodyPr anchor="ctr"/>
-          <a:lstStyle/>
-          <a:p>
-            <a:pPr marL="0" indent="0" algn="ctr">
-              <a:buNone/>
-            </a:pPr>
+          <p:cNvPr id="4" name="TextBox 3">
+            <a:extLst>
+              <a:ext uri="{FF2B5EF4-FFF2-40B4-BE49-F238E27FC236}">
+                <a16:creationId xmlns:a16="http://schemas.microsoft.com/office/drawing/2014/main" id="{045EBAC0-D53D-4EA9-B71F-B4ABEF313ECB}"/>
+              </a:ext>
+            </a:extLst>
+          </p:cNvPr>
+          <p:cNvSpPr txBox="1"/>
+          <p:nvPr/>
+        </p:nvSpPr>
+        <p:spPr>
+          <a:xfrm>
+            <a:off x="5847374" y="847899"/>
+            <a:ext cx="497252" cy="923330"/>
+          </a:xfrm>
+          <a:prstGeom prst="rect">
+            <a:avLst/>
+          </a:prstGeom>
+          <a:noFill/>
+        </p:spPr>
+        <p:txBody>
+          <a:bodyPr wrap="none" rtlCol="0">
+            <a:spAutoFit/>
+          </a:bodyPr>
+          <a:lstStyle/>
+          <a:p>
+            <a:r>
+              <a:rPr lang="en-US" sz="5400" dirty="0"/>
+              <a:t>1</a:t>
+            </a:r>
+          </a:p>
+        </p:txBody>
+      </p:sp>
+      <p:cxnSp>
+        <p:nvCxnSpPr>
+          <p:cNvPr id="6" name="Straight Connector 5">
+            <a:extLst>
+              <a:ext uri="{FF2B5EF4-FFF2-40B4-BE49-F238E27FC236}">
+                <a16:creationId xmlns:a16="http://schemas.microsoft.com/office/drawing/2014/main" id="{8C184E1D-CF59-4C96-8CCE-250D00DBE68C}"/>
+              </a:ext>
+            </a:extLst>
+          </p:cNvPr>
+          <p:cNvCxnSpPr>
+            <a:cxnSpLocks/>
+            <a:stCxn id="4" idx="2"/>
+          </p:cNvCxnSpPr>
+          <p:nvPr/>
+        </p:nvCxnSpPr>
+        <p:spPr>
+          <a:xfrm>
+            <a:off x="6096000" y="1771229"/>
+            <a:ext cx="0" cy="2875586"/>
+          </a:xfrm>
+          <a:prstGeom prst="line">
+            <a:avLst/>
+          </a:prstGeom>
+          <a:ln w="76200">
+            <a:solidFill>
+              <a:schemeClr val="tx1">
+                <a:lumMod val="50000"/>
+              </a:schemeClr>
+            </a:solidFill>
+          </a:ln>
+        </p:spPr>
+        <p:style>
+          <a:lnRef idx="1">
+            <a:schemeClr val="accent1"/>
+          </a:lnRef>
+          <a:fillRef idx="0">
+            <a:schemeClr val="accent1"/>
+          </a:fillRef>
+          <a:effectRef idx="0">
+            <a:schemeClr val="accent1"/>
+          </a:effectRef>
+          <a:fontRef idx="minor">
+            <a:schemeClr val="tx1"/>
+          </a:fontRef>
+        </p:style>
+      </p:cxnSp>
+      <p:sp>
+        <p:nvSpPr>
+          <p:cNvPr id="8" name="Oval 7">
+            <a:extLst>
+              <a:ext uri="{FF2B5EF4-FFF2-40B4-BE49-F238E27FC236}">
+                <a16:creationId xmlns:a16="http://schemas.microsoft.com/office/drawing/2014/main" id="{D780B0A6-9031-423A-8AC2-37C18347E369}"/>
+              </a:ext>
+            </a:extLst>
+          </p:cNvPr>
+          <p:cNvSpPr/>
+          <p:nvPr/>
+        </p:nvSpPr>
+        <p:spPr>
+          <a:xfrm>
+            <a:off x="5961613" y="2019994"/>
+            <a:ext cx="275706" cy="275706"/>
+          </a:xfrm>
+          <a:prstGeom prst="ellipse">
+            <a:avLst/>
+          </a:prstGeom>
+          <a:solidFill>
+            <a:schemeClr val="tx1">
+              <a:lumMod val="65000"/>
+            </a:schemeClr>
+          </a:solidFill>
+          <a:ln>
+            <a:solidFill>
+              <a:schemeClr val="tx1"/>
+            </a:solidFill>
+          </a:ln>
+        </p:spPr>
+        <p:style>
+          <a:lnRef idx="2">
+            <a:schemeClr val="accent1">
+              <a:shade val="50000"/>
+            </a:schemeClr>
+          </a:lnRef>
+          <a:fillRef idx="1">
+            <a:schemeClr val="accent1"/>
+          </a:fillRef>
+          <a:effectRef idx="0">
+            <a:schemeClr val="accent1"/>
+          </a:effectRef>
+          <a:fontRef idx="minor">
+            <a:schemeClr val="lt1"/>
+          </a:fontRef>
+        </p:style>
+        <p:txBody>
+          <a:bodyPr rtlCol="0" anchor="ctr"/>
+          <a:lstStyle/>
+          <a:p>
+            <a:pPr algn="ctr"/>
+            <a:endParaRPr lang="en-US"/>
+          </a:p>
+        </p:txBody>
+      </p:sp>
+      <p:cxnSp>
+        <p:nvCxnSpPr>
+          <p:cNvPr id="10" name="Straight Arrow Connector 9">
+            <a:extLst>
+              <a:ext uri="{FF2B5EF4-FFF2-40B4-BE49-F238E27FC236}">
+                <a16:creationId xmlns:a16="http://schemas.microsoft.com/office/drawing/2014/main" id="{87A68CCB-8D05-4BD9-BDDE-EE29FEECE518}"/>
+              </a:ext>
+            </a:extLst>
+          </p:cNvPr>
+          <p:cNvCxnSpPr>
+            <a:cxnSpLocks/>
+            <a:stCxn id="11" idx="1"/>
+          </p:cNvCxnSpPr>
+          <p:nvPr/>
+        </p:nvCxnSpPr>
+        <p:spPr>
+          <a:xfrm flipH="1">
+            <a:off x="6650182" y="1246909"/>
+            <a:ext cx="1119594" cy="0"/>
+          </a:xfrm>
+          <a:prstGeom prst="straightConnector1">
+            <a:avLst/>
+          </a:prstGeom>
+          <a:ln w="57150">
+            <a:solidFill>
+              <a:srgbClr val="FFC000"/>
+            </a:solidFill>
+            <a:tailEnd type="triangle"/>
+          </a:ln>
+        </p:spPr>
+        <p:style>
+          <a:lnRef idx="1">
+            <a:schemeClr val="accent1"/>
+          </a:lnRef>
+          <a:fillRef idx="0">
+            <a:schemeClr val="accent1"/>
+          </a:fillRef>
+          <a:effectRef idx="0">
+            <a:schemeClr val="accent1"/>
+          </a:effectRef>
+          <a:fontRef idx="minor">
+            <a:schemeClr val="tx1"/>
+          </a:fontRef>
+        </p:style>
+      </p:cxnSp>
+      <p:sp>
+        <p:nvSpPr>
+          <p:cNvPr id="11" name="TextBox 10">
+            <a:extLst>
+              <a:ext uri="{FF2B5EF4-FFF2-40B4-BE49-F238E27FC236}">
+                <a16:creationId xmlns:a16="http://schemas.microsoft.com/office/drawing/2014/main" id="{345EDC75-7580-4EBA-A325-774C0DF7FACC}"/>
+              </a:ext>
+            </a:extLst>
+          </p:cNvPr>
+          <p:cNvSpPr txBox="1"/>
+          <p:nvPr/>
+        </p:nvSpPr>
+        <p:spPr>
+          <a:xfrm>
+            <a:off x="7769776" y="1062243"/>
+            <a:ext cx="2010487" cy="369332"/>
+          </a:xfrm>
+          <a:prstGeom prst="rect">
+            <a:avLst/>
+          </a:prstGeom>
+          <a:noFill/>
+        </p:spPr>
+        <p:txBody>
+          <a:bodyPr wrap="none" rtlCol="0">
+            <a:spAutoFit/>
+          </a:bodyPr>
+          <a:lstStyle/>
+          <a:p>
             <a:r>
               <a:rPr lang="en-US" dirty="0"/>
-              <a:t>On some trials, a second number will appear below the vertical line. </a:t>
-            </a:r>
-          </a:p>
-          <a:p>
-            <a:pPr marL="0" indent="0" algn="ctr">
-              <a:buNone/>
-            </a:pPr>
-            <a:r>
-              <a:rPr lang="en-US" dirty="0"/>
-              <a:t>If the circle is on the top half of the line, continue with the odd-even discrimination for the top number.</a:t>
-            </a:r>
-          </a:p>
-          <a:p>
-            <a:pPr marL="0" indent="0" algn="ctr">
-              <a:buNone/>
-            </a:pPr>
-            <a:endParaRPr lang="en-US" dirty="0"/>
-          </a:p>
-          <a:p>
-            <a:pPr marL="0" indent="0" algn="ctr">
-              <a:buNone/>
-            </a:pPr>
-            <a:r>
-              <a:rPr lang="en-US" dirty="0"/>
-              <a:t>If the circle is on the bottom half of the line, you will switch to deciding if the number at the bottom of the screen is lower or greater than 5</a:t>
-            </a:r>
-          </a:p>
-          <a:p>
-            <a:pPr marL="0" indent="0" algn="ctr">
-              <a:buNone/>
-            </a:pPr>
-            <a:endParaRPr lang="en-US" dirty="0"/>
-          </a:p>
-          <a:p>
-            <a:pPr marL="0" indent="0" algn="ctr">
-              <a:buNone/>
-            </a:pPr>
-            <a:r>
-              <a:rPr lang="en-US" dirty="0"/>
-              <a:t>Press </a:t>
-            </a:r>
-            <a:r>
-              <a:rPr lang="en-US" b="1" dirty="0">
-                <a:solidFill>
-                  <a:srgbClr val="FF0000"/>
-                </a:solidFill>
-              </a:rPr>
-              <a:t>F</a:t>
-            </a:r>
-            <a:r>
-              <a:rPr lang="en-US" b="1" dirty="0"/>
-              <a:t> </a:t>
-            </a:r>
-            <a:r>
-              <a:rPr lang="en-US" dirty="0"/>
-              <a:t>if the number is </a:t>
-            </a:r>
-            <a:r>
-              <a:rPr lang="en-US" b="1" dirty="0">
-                <a:solidFill>
-                  <a:srgbClr val="FF0000"/>
-                </a:solidFill>
-              </a:rPr>
-              <a:t>less than 5</a:t>
-            </a:r>
-            <a:r>
-              <a:rPr lang="en-US" dirty="0"/>
-              <a:t>. </a:t>
-            </a:r>
-          </a:p>
-          <a:p>
-            <a:pPr marL="0" indent="0" algn="ctr">
-              <a:buNone/>
-            </a:pPr>
-            <a:r>
-              <a:rPr lang="en-US" dirty="0"/>
-              <a:t>Press </a:t>
-            </a:r>
-            <a:r>
-              <a:rPr lang="en-US" b="1" dirty="0">
-                <a:solidFill>
-                  <a:srgbClr val="00B0F0"/>
-                </a:solidFill>
-              </a:rPr>
-              <a:t>J</a:t>
-            </a:r>
-            <a:r>
-              <a:rPr lang="en-US" dirty="0"/>
-              <a:t> if the number is </a:t>
-            </a:r>
-            <a:r>
-              <a:rPr lang="en-US" b="1" dirty="0">
-                <a:solidFill>
-                  <a:srgbClr val="00B0F0"/>
-                </a:solidFill>
-              </a:rPr>
-              <a:t>more than 5</a:t>
-            </a:r>
-            <a:r>
-              <a:rPr lang="en-US" b="1" dirty="0"/>
-              <a:t>.</a:t>
+              <a:t>Odd number. Press F</a:t>
             </a:r>
           </a:p>
         </p:txBody>
@@ -5008,7 +7140,7 @@
     </p:spTree>
     <p:extLst>
       <p:ext uri="{BB962C8B-B14F-4D97-AF65-F5344CB8AC3E}">
-        <p14:creationId xmlns:p14="http://schemas.microsoft.com/office/powerpoint/2010/main" val="899632396"/>
+        <p14:creationId xmlns:p14="http://schemas.microsoft.com/office/powerpoint/2010/main" val="3346351900"/>
       </p:ext>
     </p:extLst>
   </p:cSld>
@@ -5066,16 +7198,121 @@
             </a:pPr>
             <a:r>
               <a:rPr lang="en-US" dirty="0"/>
-              <a:t>We will go through a demonstration in the next few slides</a:t>
-            </a:r>
-            <a:endParaRPr lang="en-US" b="1" dirty="0"/>
+              <a:t>On some trials, a second number will appear below the vertical line. </a:t>
+            </a:r>
+          </a:p>
+          <a:p>
+            <a:pPr marL="0" indent="0" algn="ctr">
+              <a:buNone/>
+            </a:pPr>
+            <a:endParaRPr lang="en-US" dirty="0"/>
+          </a:p>
+          <a:p>
+            <a:pPr marL="0" indent="0" algn="ctr">
+              <a:buNone/>
+            </a:pPr>
+            <a:r>
+              <a:rPr lang="en-US" dirty="0"/>
+              <a:t>If the circle is on the top half of the line, continue with the odd-even discrimination for the top number.</a:t>
+            </a:r>
+          </a:p>
+          <a:p>
+            <a:pPr marL="0" indent="0" algn="ctr">
+              <a:buNone/>
+            </a:pPr>
+            <a:endParaRPr lang="en-US" dirty="0"/>
+          </a:p>
+          <a:p>
+            <a:pPr marL="0" indent="0" algn="ctr">
+              <a:buNone/>
+            </a:pPr>
+            <a:r>
+              <a:rPr lang="en-US" dirty="0"/>
+              <a:t>If the circle is on the bottom half of the line, you will switch to deciding if the number at the bottom of the screen is lower or greater than 5</a:t>
+            </a:r>
+          </a:p>
+          <a:p>
+            <a:pPr marL="0" indent="0" algn="ctr">
+              <a:buNone/>
+            </a:pPr>
+            <a:endParaRPr lang="en-US" dirty="0"/>
+          </a:p>
+          <a:p>
+            <a:pPr marL="0" indent="0" algn="ctr">
+              <a:buNone/>
+            </a:pPr>
+            <a:r>
+              <a:rPr lang="en-US" dirty="0"/>
+              <a:t>Press </a:t>
+            </a:r>
+            <a:r>
+              <a:rPr lang="en-US" b="1" dirty="0">
+                <a:solidFill>
+                  <a:srgbClr val="FF0000"/>
+                </a:solidFill>
+              </a:rPr>
+              <a:t>D</a:t>
+            </a:r>
+            <a:r>
+              <a:rPr lang="en-US" b="1" dirty="0"/>
+              <a:t> </a:t>
+            </a:r>
+            <a:r>
+              <a:rPr lang="en-US" dirty="0"/>
+              <a:t>if the number is </a:t>
+            </a:r>
+            <a:r>
+              <a:rPr lang="en-US" b="1" dirty="0">
+                <a:solidFill>
+                  <a:srgbClr val="FF0000"/>
+                </a:solidFill>
+              </a:rPr>
+              <a:t>less than 5</a:t>
+            </a:r>
+            <a:r>
+              <a:rPr lang="en-US" dirty="0"/>
+              <a:t>. </a:t>
+            </a:r>
+          </a:p>
+          <a:p>
+            <a:pPr marL="0" indent="0" algn="ctr">
+              <a:buNone/>
+            </a:pPr>
+            <a:r>
+              <a:rPr lang="en-US" dirty="0"/>
+              <a:t>Press </a:t>
+            </a:r>
+            <a:r>
+              <a:rPr lang="en-US" b="1" dirty="0">
+                <a:solidFill>
+                  <a:srgbClr val="00B0F0"/>
+                </a:solidFill>
+              </a:rPr>
+              <a:t>K</a:t>
+            </a:r>
+            <a:r>
+              <a:rPr lang="en-US" dirty="0"/>
+              <a:t> if the number is </a:t>
+            </a:r>
+            <a:r>
+              <a:rPr lang="en-US" b="1" dirty="0">
+                <a:solidFill>
+                  <a:srgbClr val="00B0F0"/>
+                </a:solidFill>
+              </a:rPr>
+              <a:t>more than 5</a:t>
+            </a:r>
+            <a:r>
+              <a:rPr lang="en-US" b="1" dirty="0"/>
+              <a:t>.</a:t>
+            </a:r>
           </a:p>
         </p:txBody>
       </p:sp>
     </p:spTree>
     <p:extLst>
       <p:ext uri="{BB962C8B-B14F-4D97-AF65-F5344CB8AC3E}">
-        <p14:creationId xmlns:p14="http://schemas.microsoft.com/office/powerpoint/2010/main" val="2711652127"/>
+        <p14:creationId xmlns:p14="http://schemas.microsoft.com/office/powerpoint/2010/main" val="899632396"/>
       </p:ext>
     </p:extLst>
   </p:cSld>
@@ -5132,7 +7369,7 @@
           <a:p>
             <a:r>
               <a:rPr lang="en-US" sz="5400" dirty="0"/>
-              <a:t>1</a:t>
+              <a:t>9</a:t>
             </a:r>
           </a:p>
         </p:txBody>
@@ -5319,10 +7556,125 @@
           </a:p>
         </p:txBody>
       </p:sp>
+      <p:sp>
+        <p:nvSpPr>
+          <p:cNvPr id="7" name="TextBox 6">
+            <a:extLst>
+              <a:ext uri="{FF2B5EF4-FFF2-40B4-BE49-F238E27FC236}">
+                <a16:creationId xmlns:a16="http://schemas.microsoft.com/office/drawing/2014/main" id="{13381491-1677-4EE4-AFAE-DADB6416064E}"/>
+              </a:ext>
+            </a:extLst>
+          </p:cNvPr>
+          <p:cNvSpPr txBox="1"/>
+          <p:nvPr/>
+        </p:nvSpPr>
+        <p:spPr>
+          <a:xfrm>
+            <a:off x="5847374" y="4646815"/>
+            <a:ext cx="497252" cy="923330"/>
+          </a:xfrm>
+          <a:prstGeom prst="rect">
+            <a:avLst/>
+          </a:prstGeom>
+          <a:noFill/>
+        </p:spPr>
+        <p:txBody>
+          <a:bodyPr wrap="none" rtlCol="0">
+            <a:spAutoFit/>
+          </a:bodyPr>
+          <a:lstStyle/>
+          <a:p>
+            <a:r>
+              <a:rPr lang="en-US" sz="5400" dirty="0"/>
+              <a:t>3</a:t>
+            </a:r>
+          </a:p>
+        </p:txBody>
+      </p:sp>
+      <p:cxnSp>
+        <p:nvCxnSpPr>
+          <p:cNvPr id="9" name="Straight Arrow Connector 8">
+            <a:extLst>
+              <a:ext uri="{FF2B5EF4-FFF2-40B4-BE49-F238E27FC236}">
+                <a16:creationId xmlns:a16="http://schemas.microsoft.com/office/drawing/2014/main" id="{1535B23B-667E-46EB-B811-2ABC7CFCB5A7}"/>
+              </a:ext>
+            </a:extLst>
+          </p:cNvPr>
+          <p:cNvCxnSpPr>
+            <a:cxnSpLocks/>
+            <a:stCxn id="12" idx="1"/>
+          </p:cNvCxnSpPr>
+          <p:nvPr/>
+        </p:nvCxnSpPr>
+        <p:spPr>
+          <a:xfrm flipH="1">
+            <a:off x="6535882" y="2185610"/>
+            <a:ext cx="1119594" cy="0"/>
+          </a:xfrm>
+          <a:prstGeom prst="straightConnector1">
+            <a:avLst/>
+          </a:prstGeom>
+          <a:ln w="57150">
+            <a:solidFill>
+              <a:srgbClr val="FFC000"/>
+            </a:solidFill>
+            <a:tailEnd type="triangle"/>
+          </a:ln>
+        </p:spPr>
+        <p:style>
+          <a:lnRef idx="1">
+            <a:schemeClr val="accent1"/>
+          </a:lnRef>
+          <a:fillRef idx="0">
+            <a:schemeClr val="accent1"/>
+          </a:fillRef>
+          <a:effectRef idx="0">
+            <a:schemeClr val="accent1"/>
+          </a:effectRef>
+          <a:fontRef idx="minor">
+            <a:schemeClr val="tx1"/>
+          </a:fontRef>
+        </p:style>
+      </p:cxnSp>
+      <p:sp>
+        <p:nvSpPr>
+          <p:cNvPr id="12" name="TextBox 11">
+            <a:extLst>
+              <a:ext uri="{FF2B5EF4-FFF2-40B4-BE49-F238E27FC236}">
+                <a16:creationId xmlns:a16="http://schemas.microsoft.com/office/drawing/2014/main" id="{0282A9FE-C87A-4414-A276-329E8AF62300}"/>
+              </a:ext>
+            </a:extLst>
+          </p:cNvPr>
+          <p:cNvSpPr txBox="1"/>
+          <p:nvPr/>
+        </p:nvSpPr>
+        <p:spPr>
+          <a:xfrm>
+            <a:off x="7655476" y="2000944"/>
+            <a:ext cx="3502882" cy="369332"/>
+          </a:xfrm>
+          <a:prstGeom prst="rect">
+            <a:avLst/>
+          </a:prstGeom>
+          <a:noFill/>
+        </p:spPr>
+        <p:txBody>
+          <a:bodyPr wrap="none" rtlCol="0">
+            <a:spAutoFit/>
+          </a:bodyPr>
+          <a:lstStyle/>
+          <a:p>
+            <a:r>
+              <a:rPr lang="en-US" dirty="0"/>
+              <a:t>Circle is at top. Ignore bottom number</a:t>
+            </a:r>
+          </a:p>
+        </p:txBody>
+      </p:sp>
     </p:spTree>
     <p:extLst>
       <p:ext uri="{BB962C8B-B14F-4D97-AF65-F5344CB8AC3E}">
-        <p14:creationId xmlns:p14="http://schemas.microsoft.com/office/powerpoint/2010/main" val="3346351900"/>
+        <p14:creationId xmlns:p14="http://schemas.microsoft.com/office/powerpoint/2010/main" val="3562229170"/>
       </p:ext>
     </p:extLst>
   </p:cSld>
@@ -5379,7 +7731,7 @@
           <a:p>
             <a:r>
               <a:rPr lang="en-US" sz="5400" dirty="0"/>
-              <a:t>8</a:t>
+              <a:t>7</a:t>
             </a:r>
           </a:p>
         </p:txBody>
@@ -5444,7 +7796,7 @@
         </p:nvSpPr>
         <p:spPr>
           <a:xfrm>
-            <a:off x="5961613" y="2019994"/>
+            <a:off x="5961613" y="3772594"/>
             <a:ext cx="275706" cy="275706"/>
           </a:xfrm>
           <a:prstGeom prst="ellipse">
@@ -5503,7 +7855,7 @@
         </p:nvCxnSpPr>
         <p:spPr>
           <a:xfrm flipH="1">
-            <a:off x="6650182" y="1246909"/>
+            <a:off x="6650182" y="5056909"/>
             <a:ext cx="1119594" cy="0"/>
           </a:xfrm>
           <a:prstGeom prst="straightConnector1">
@@ -5545,8 +7897,8 @@
         </p:nvSpPr>
         <p:spPr>
           <a:xfrm>
-            <a:off x="7769776" y="1062243"/>
-            <a:ext cx="2055371" cy="369332"/>
+            <a:off x="7769776" y="4872243"/>
+            <a:ext cx="1890261" cy="369332"/>
           </a:xfrm>
           <a:prstGeom prst="rect">
             <a:avLst/>
@@ -5561,7 +7913,122 @@
           <a:p>
             <a:r>
               <a:rPr lang="en-US" dirty="0"/>
-              <a:t>Even number. Press J</a:t>
+              <a:t>Less than 5. Press D</a:t>
+            </a:r>
+          </a:p>
+        </p:txBody>
+      </p:sp>
+      <p:sp>
+        <p:nvSpPr>
+          <p:cNvPr id="7" name="TextBox 6">
+            <a:extLst>
+              <a:ext uri="{FF2B5EF4-FFF2-40B4-BE49-F238E27FC236}">
+                <a16:creationId xmlns:a16="http://schemas.microsoft.com/office/drawing/2014/main" id="{13381491-1677-4EE4-AFAE-DADB6416064E}"/>
+              </a:ext>
+            </a:extLst>
+          </p:cNvPr>
+          <p:cNvSpPr txBox="1"/>
+          <p:nvPr/>
+        </p:nvSpPr>
+        <p:spPr>
+          <a:xfrm>
+            <a:off x="5847374" y="4646815"/>
+            <a:ext cx="497252" cy="923330"/>
+          </a:xfrm>
+          <a:prstGeom prst="rect">
+            <a:avLst/>
+          </a:prstGeom>
+          <a:noFill/>
+        </p:spPr>
+        <p:txBody>
+          <a:bodyPr wrap="none" rtlCol="0">
+            <a:spAutoFit/>
+          </a:bodyPr>
+          <a:lstStyle/>
+          <a:p>
+            <a:r>
+              <a:rPr lang="en-US" sz="5400" dirty="0"/>
+              <a:t>2</a:t>
+            </a:r>
+          </a:p>
+        </p:txBody>
+      </p:sp>
+      <p:cxnSp>
+        <p:nvCxnSpPr>
+          <p:cNvPr id="9" name="Straight Arrow Connector 8">
+            <a:extLst>
+              <a:ext uri="{FF2B5EF4-FFF2-40B4-BE49-F238E27FC236}">
+                <a16:creationId xmlns:a16="http://schemas.microsoft.com/office/drawing/2014/main" id="{1535B23B-667E-46EB-B811-2ABC7CFCB5A7}"/>
+              </a:ext>
+            </a:extLst>
+          </p:cNvPr>
+          <p:cNvCxnSpPr>
+            <a:cxnSpLocks/>
+            <a:stCxn id="12" idx="1"/>
+          </p:cNvCxnSpPr>
+          <p:nvPr/>
+        </p:nvCxnSpPr>
+        <p:spPr>
+          <a:xfrm flipH="1">
+            <a:off x="6535882" y="3892209"/>
+            <a:ext cx="1119594" cy="0"/>
+          </a:xfrm>
+          <a:prstGeom prst="straightConnector1">
+            <a:avLst/>
+          </a:prstGeom>
+          <a:ln w="57150">
+            <a:solidFill>
+              <a:srgbClr val="FFC000"/>
+            </a:solidFill>
+            <a:tailEnd type="triangle"/>
+          </a:ln>
+        </p:spPr>
+        <p:style>
+          <a:lnRef idx="1">
+            <a:schemeClr val="accent1"/>
+          </a:lnRef>
+          <a:fillRef idx="0">
+            <a:schemeClr val="accent1"/>
+          </a:fillRef>
+          <a:effectRef idx="0">
+            <a:schemeClr val="accent1"/>
+          </a:effectRef>
+          <a:fontRef idx="minor">
+            <a:schemeClr val="tx1"/>
+          </a:fontRef>
+        </p:style>
+      </p:cxnSp>
+      <p:sp>
+        <p:nvSpPr>
+          <p:cNvPr id="12" name="TextBox 11">
+            <a:extLst>
+              <a:ext uri="{FF2B5EF4-FFF2-40B4-BE49-F238E27FC236}">
+                <a16:creationId xmlns:a16="http://schemas.microsoft.com/office/drawing/2014/main" id="{0282A9FE-C87A-4414-A276-329E8AF62300}"/>
+              </a:ext>
+            </a:extLst>
+          </p:cNvPr>
+          <p:cNvSpPr txBox="1"/>
+          <p:nvPr/>
+        </p:nvSpPr>
+        <p:spPr>
+          <a:xfrm>
+            <a:off x="7655476" y="3707543"/>
+            <a:ext cx="4188967" cy="369332"/>
+          </a:xfrm>
+          <a:prstGeom prst="rect">
+            <a:avLst/>
+          </a:prstGeom>
+          <a:noFill/>
+        </p:spPr>
+        <p:txBody>
+          <a:bodyPr wrap="none" rtlCol="0">
+            <a:spAutoFit/>
+          </a:bodyPr>
+          <a:lstStyle/>
+          <a:p>
+            <a:r>
+              <a:rPr lang="en-US" dirty="0"/>
+              <a:t>Circle is at bottom. Switch to more/less than 5.</a:t>
             </a:r>
           </a:p>
         </p:txBody>
@@ -5569,7 +8036,7 @@
     </p:spTree>
     <p:extLst>
       <p:ext uri="{BB962C8B-B14F-4D97-AF65-F5344CB8AC3E}">
-        <p14:creationId xmlns:p14="http://schemas.microsoft.com/office/powerpoint/2010/main" val="3992007765"/>
+        <p14:creationId xmlns:p14="http://schemas.microsoft.com/office/powerpoint/2010/main" val="741089998"/>
       </p:ext>
     </p:extLst>
   </p:cSld>
@@ -5598,217 +8065,170 @@
       </p:grpSpPr>
       <p:sp>
         <p:nvSpPr>
-          <p:cNvPr id="4" name="TextBox 3">
-            <a:extLst>
-              <a:ext uri="{FF2B5EF4-FFF2-40B4-BE49-F238E27FC236}">
-                <a16:creationId xmlns:a16="http://schemas.microsoft.com/office/drawing/2014/main" id="{045EBAC0-D53D-4EA9-B71F-B4ABEF313ECB}"/>
-              </a:ext>
-            </a:extLst>
-          </p:cNvPr>
-          <p:cNvSpPr txBox="1"/>
-          <p:nvPr/>
-        </p:nvSpPr>
-        <p:spPr>
-          <a:xfrm>
-            <a:off x="5847374" y="847899"/>
-            <a:ext cx="497252" cy="923330"/>
-          </a:xfrm>
-          <a:prstGeom prst="rect">
-            <a:avLst/>
-          </a:prstGeom>
-          <a:noFill/>
-        </p:spPr>
-        <p:txBody>
-          <a:bodyPr wrap="none" rtlCol="0">
-            <a:spAutoFit/>
-          </a:bodyPr>
-          <a:lstStyle/>
-          <a:p>
-            <a:r>
-              <a:rPr lang="en-US" sz="5400" dirty="0"/>
-              <a:t>2</a:t>
-            </a:r>
-          </a:p>
-        </p:txBody>
-      </p:sp>
-      <p:cxnSp>
-        <p:nvCxnSpPr>
-          <p:cNvPr id="6" name="Straight Connector 5">
-            <a:extLst>
-              <a:ext uri="{FF2B5EF4-FFF2-40B4-BE49-F238E27FC236}">
-                <a16:creationId xmlns:a16="http://schemas.microsoft.com/office/drawing/2014/main" id="{8C184E1D-CF59-4C96-8CCE-250D00DBE68C}"/>
-              </a:ext>
-            </a:extLst>
-          </p:cNvPr>
-          <p:cNvCxnSpPr>
-            <a:cxnSpLocks/>
-            <a:stCxn id="4" idx="2"/>
-          </p:cNvCxnSpPr>
-          <p:nvPr/>
-        </p:nvCxnSpPr>
-        <p:spPr>
-          <a:xfrm>
-            <a:off x="6096000" y="1771229"/>
-            <a:ext cx="0" cy="2875586"/>
-          </a:xfrm>
-          <a:prstGeom prst="line">
-            <a:avLst/>
-          </a:prstGeom>
-          <a:ln w="76200">
-            <a:solidFill>
-              <a:schemeClr val="tx1">
-                <a:lumMod val="50000"/>
-              </a:schemeClr>
-            </a:solidFill>
-          </a:ln>
-        </p:spPr>
-        <p:style>
-          <a:lnRef idx="1">
-            <a:schemeClr val="accent1"/>
-          </a:lnRef>
-          <a:fillRef idx="0">
-            <a:schemeClr val="accent1"/>
-          </a:fillRef>
-          <a:effectRef idx="0">
-            <a:schemeClr val="accent1"/>
-          </a:effectRef>
-          <a:fontRef idx="minor">
-            <a:schemeClr val="tx1"/>
-          </a:fontRef>
-        </p:style>
-      </p:cxnSp>
-      <p:sp>
-        <p:nvSpPr>
-          <p:cNvPr id="8" name="Oval 7">
-            <a:extLst>
-              <a:ext uri="{FF2B5EF4-FFF2-40B4-BE49-F238E27FC236}">
-                <a16:creationId xmlns:a16="http://schemas.microsoft.com/office/drawing/2014/main" id="{D780B0A6-9031-423A-8AC2-37C18347E369}"/>
-              </a:ext>
-            </a:extLst>
-          </p:cNvPr>
-          <p:cNvSpPr/>
-          <p:nvPr/>
-        </p:nvSpPr>
-        <p:spPr>
-          <a:xfrm>
-            <a:off x="5961613" y="2019994"/>
-            <a:ext cx="275706" cy="275706"/>
-          </a:xfrm>
-          <a:prstGeom prst="ellipse">
-            <a:avLst/>
-          </a:prstGeom>
-          <a:solidFill>
-            <a:schemeClr val="tx1">
-              <a:lumMod val="65000"/>
-            </a:schemeClr>
-          </a:solidFill>
-          <a:ln>
-            <a:solidFill>
-              <a:schemeClr val="tx1"/>
-            </a:solidFill>
-          </a:ln>
-        </p:spPr>
-        <p:style>
-          <a:lnRef idx="2">
-            <a:schemeClr val="accent1">
-              <a:shade val="50000"/>
-            </a:schemeClr>
-          </a:lnRef>
-          <a:fillRef idx="1">
-            <a:schemeClr val="accent1"/>
-          </a:fillRef>
-          <a:effectRef idx="0">
-            <a:schemeClr val="accent1"/>
-          </a:effectRef>
-          <a:fontRef idx="minor">
-            <a:schemeClr val="lt1"/>
-          </a:fontRef>
-        </p:style>
-        <p:txBody>
-          <a:bodyPr rtlCol="0" anchor="ctr"/>
-          <a:lstStyle/>
-          <a:p>
-            <a:pPr algn="ctr"/>
-            <a:endParaRPr lang="en-US"/>
-          </a:p>
-        </p:txBody>
-      </p:sp>
-      <p:cxnSp>
-        <p:nvCxnSpPr>
-          <p:cNvPr id="10" name="Straight Arrow Connector 9">
-            <a:extLst>
-              <a:ext uri="{FF2B5EF4-FFF2-40B4-BE49-F238E27FC236}">
-                <a16:creationId xmlns:a16="http://schemas.microsoft.com/office/drawing/2014/main" id="{87A68CCB-8D05-4BD9-BDDE-EE29FEECE518}"/>
-              </a:ext>
-            </a:extLst>
-          </p:cNvPr>
-          <p:cNvCxnSpPr>
-            <a:cxnSpLocks/>
-            <a:stCxn id="11" idx="1"/>
-          </p:cNvCxnSpPr>
-          <p:nvPr/>
-        </p:nvCxnSpPr>
-        <p:spPr>
-          <a:xfrm flipH="1">
-            <a:off x="6650182" y="1246909"/>
-            <a:ext cx="1119594" cy="0"/>
-          </a:xfrm>
-          <a:prstGeom prst="straightConnector1">
-            <a:avLst/>
-          </a:prstGeom>
-          <a:ln w="57150">
-            <a:solidFill>
-              <a:srgbClr val="FFC000"/>
-            </a:solidFill>
-            <a:tailEnd type="triangle"/>
-          </a:ln>
-        </p:spPr>
-        <p:style>
-          <a:lnRef idx="1">
-            <a:schemeClr val="accent1"/>
-          </a:lnRef>
-          <a:fillRef idx="0">
-            <a:schemeClr val="accent1"/>
-          </a:fillRef>
-          <a:effectRef idx="0">
-            <a:schemeClr val="accent1"/>
-          </a:effectRef>
-          <a:fontRef idx="minor">
-            <a:schemeClr val="tx1"/>
-          </a:fontRef>
-        </p:style>
-      </p:cxnSp>
-      <p:sp>
-        <p:nvSpPr>
-          <p:cNvPr id="11" name="TextBox 10">
-            <a:extLst>
-              <a:ext uri="{FF2B5EF4-FFF2-40B4-BE49-F238E27FC236}">
-                <a16:creationId xmlns:a16="http://schemas.microsoft.com/office/drawing/2014/main" id="{345EDC75-7580-4EBA-A325-774C0DF7FACC}"/>
-              </a:ext>
-            </a:extLst>
-          </p:cNvPr>
-          <p:cNvSpPr txBox="1"/>
-          <p:nvPr/>
-        </p:nvSpPr>
-        <p:spPr>
-          <a:xfrm>
-            <a:off x="7769776" y="1062243"/>
-            <a:ext cx="2055371" cy="369332"/>
-          </a:xfrm>
-          <a:prstGeom prst="rect">
-            <a:avLst/>
-          </a:prstGeom>
-          <a:noFill/>
-        </p:spPr>
-        <p:txBody>
-          <a:bodyPr wrap="none" rtlCol="0">
-            <a:spAutoFit/>
-          </a:bodyPr>
-          <a:lstStyle/>
-          <a:p>
+          <p:cNvPr id="3" name="Content Placeholder 2">
+            <a:extLst>
+              <a:ext uri="{FF2B5EF4-FFF2-40B4-BE49-F238E27FC236}">
+                <a16:creationId xmlns:a16="http://schemas.microsoft.com/office/drawing/2014/main" id="{0E15F1CA-1121-4121-A125-AE2B0D19948F}"/>
+              </a:ext>
+            </a:extLst>
+          </p:cNvPr>
+          <p:cNvSpPr>
+            <a:spLocks noGrp="1"/>
+          </p:cNvSpPr>
+          <p:nvPr>
+            <p:ph idx="1"/>
+          </p:nvPr>
+        </p:nvSpPr>
+        <p:spPr>
+          <a:xfrm>
+            <a:off x="838200" y="731520"/>
+            <a:ext cx="10515600" cy="5445443"/>
+          </a:xfrm>
+        </p:spPr>
+        <p:txBody>
+          <a:bodyPr anchor="ctr"/>
+          <a:lstStyle/>
+          <a:p>
+            <a:pPr marL="0" indent="0" algn="ctr">
+              <a:buNone/>
+            </a:pPr>
             <a:r>
               <a:rPr lang="en-US" dirty="0"/>
-              <a:t>Even number. Press J</a:t>
+              <a:t>If the circle is in the middle, you may decide if you want to perform the top or bottom trial. </a:t>
+            </a:r>
+          </a:p>
+          <a:p>
+            <a:pPr marL="0" indent="0" algn="ctr">
+              <a:buNone/>
+            </a:pPr>
+            <a:endParaRPr lang="en-US" dirty="0"/>
+          </a:p>
+          <a:p>
+            <a:pPr marL="0" indent="0" algn="ctr">
+              <a:buNone/>
+            </a:pPr>
+            <a:r>
+              <a:rPr lang="en-US" dirty="0"/>
+              <a:t>If you decide to perform the top task (odd/even), press </a:t>
+            </a:r>
+            <a:r>
+              <a:rPr lang="en-US" b="1" dirty="0">
+                <a:solidFill>
+                  <a:srgbClr val="FF0000"/>
+                </a:solidFill>
+              </a:rPr>
+              <a:t>F</a:t>
+            </a:r>
+            <a:r>
+              <a:rPr lang="en-US" b="1" dirty="0"/>
+              <a:t> </a:t>
+            </a:r>
+            <a:r>
+              <a:rPr lang="en-US" dirty="0"/>
+              <a:t>if the number is </a:t>
+            </a:r>
+            <a:r>
+              <a:rPr lang="en-US" b="1" dirty="0">
+                <a:solidFill>
+                  <a:srgbClr val="FF0000"/>
+                </a:solidFill>
+              </a:rPr>
+              <a:t>odd</a:t>
+            </a:r>
+            <a:r>
+              <a:rPr lang="en-US" dirty="0"/>
+              <a:t>, press </a:t>
+            </a:r>
+            <a:r>
+              <a:rPr lang="en-US" b="1" dirty="0">
+                <a:solidFill>
+                  <a:srgbClr val="00B0F0"/>
+                </a:solidFill>
+              </a:rPr>
+              <a:t>J</a:t>
+            </a:r>
+            <a:r>
+              <a:rPr lang="en-US" dirty="0"/>
+              <a:t> if the number is </a:t>
+            </a:r>
+            <a:r>
+              <a:rPr lang="en-US" b="1" dirty="0">
+                <a:solidFill>
+                  <a:srgbClr val="00B0F0"/>
+                </a:solidFill>
+              </a:rPr>
+              <a:t>even</a:t>
+            </a:r>
+            <a:r>
+              <a:rPr lang="en-US" b="1" dirty="0"/>
+              <a:t>.</a:t>
+            </a:r>
+          </a:p>
+          <a:p>
+            <a:pPr marL="0" indent="0" algn="ctr">
+              <a:buNone/>
+            </a:pPr>
+            <a:endParaRPr lang="en-US" b="1" dirty="0"/>
+          </a:p>
+          <a:p>
+            <a:pPr marL="0" indent="0" algn="ctr">
+              <a:buNone/>
+            </a:pPr>
+            <a:r>
+              <a:rPr lang="en-US" dirty="0"/>
+              <a:t>If you decide to perform the bottom task (less/more than 5), press </a:t>
+            </a:r>
+            <a:r>
+              <a:rPr lang="en-US" b="1" dirty="0">
+                <a:solidFill>
+                  <a:srgbClr val="FF0000"/>
+                </a:solidFill>
+              </a:rPr>
+              <a:t>D</a:t>
+            </a:r>
+            <a:r>
+              <a:rPr lang="en-US" b="1" dirty="0"/>
+              <a:t> </a:t>
+            </a:r>
+            <a:r>
+              <a:rPr lang="en-US" dirty="0"/>
+              <a:t>if the number is </a:t>
+            </a:r>
+            <a:r>
+              <a:rPr lang="en-US" b="1" dirty="0">
+                <a:solidFill>
+                  <a:srgbClr val="FF0000"/>
+                </a:solidFill>
+              </a:rPr>
+              <a:t>less than 5</a:t>
+            </a:r>
+            <a:r>
+              <a:rPr lang="en-US" dirty="0"/>
+              <a:t>, press </a:t>
+            </a:r>
+            <a:r>
+              <a:rPr lang="en-US" b="1" dirty="0">
+                <a:solidFill>
+                  <a:srgbClr val="00B0F0"/>
+                </a:solidFill>
+              </a:rPr>
+              <a:t>K</a:t>
+            </a:r>
+            <a:r>
+              <a:rPr lang="en-US" dirty="0"/>
+              <a:t> if the number is </a:t>
+            </a:r>
+            <a:r>
+              <a:rPr lang="en-US" b="1" dirty="0">
+                <a:solidFill>
+                  <a:srgbClr val="00B0F0"/>
+                </a:solidFill>
+              </a:rPr>
+              <a:t>more than 5</a:t>
+            </a:r>
+            <a:r>
+              <a:rPr lang="en-US" b="1" dirty="0"/>
+              <a:t>.</a:t>
             </a:r>
           </a:p>
         </p:txBody>
@@ -5816,7 +8236,7 @@
     </p:spTree>
     <p:extLst>
       <p:ext uri="{BB962C8B-B14F-4D97-AF65-F5344CB8AC3E}">
-        <p14:creationId xmlns:p14="http://schemas.microsoft.com/office/powerpoint/2010/main" val="1278711658"/>
+        <p14:creationId xmlns:p14="http://schemas.microsoft.com/office/powerpoint/2010/main" val="2497400110"/>
       </p:ext>
     </p:extLst>
   </p:cSld>
@@ -5845,340 +8265,45 @@
       </p:grpSpPr>
       <p:sp>
         <p:nvSpPr>
-          <p:cNvPr id="4" name="TextBox 3">
-            <a:extLst>
-              <a:ext uri="{FF2B5EF4-FFF2-40B4-BE49-F238E27FC236}">
-                <a16:creationId xmlns:a16="http://schemas.microsoft.com/office/drawing/2014/main" id="{045EBAC0-D53D-4EA9-B71F-B4ABEF313ECB}"/>
-              </a:ext>
-            </a:extLst>
-          </p:cNvPr>
-          <p:cNvSpPr txBox="1"/>
-          <p:nvPr/>
-        </p:nvSpPr>
-        <p:spPr>
-          <a:xfrm>
-            <a:off x="5847374" y="847899"/>
-            <a:ext cx="497252" cy="923330"/>
-          </a:xfrm>
-          <a:prstGeom prst="rect">
-            <a:avLst/>
-          </a:prstGeom>
-          <a:noFill/>
-        </p:spPr>
-        <p:txBody>
-          <a:bodyPr wrap="none" rtlCol="0">
-            <a:spAutoFit/>
-          </a:bodyPr>
-          <a:lstStyle/>
-          <a:p>
-            <a:r>
-              <a:rPr lang="en-US" sz="5400" dirty="0"/>
-              <a:t>7</a:t>
-            </a:r>
-          </a:p>
-        </p:txBody>
-      </p:sp>
-      <p:cxnSp>
-        <p:nvCxnSpPr>
-          <p:cNvPr id="6" name="Straight Connector 5">
-            <a:extLst>
-              <a:ext uri="{FF2B5EF4-FFF2-40B4-BE49-F238E27FC236}">
-                <a16:creationId xmlns:a16="http://schemas.microsoft.com/office/drawing/2014/main" id="{8C184E1D-CF59-4C96-8CCE-250D00DBE68C}"/>
-              </a:ext>
-            </a:extLst>
-          </p:cNvPr>
-          <p:cNvCxnSpPr>
-            <a:cxnSpLocks/>
-            <a:stCxn id="4" idx="2"/>
-          </p:cNvCxnSpPr>
-          <p:nvPr/>
-        </p:nvCxnSpPr>
-        <p:spPr>
-          <a:xfrm>
-            <a:off x="6096000" y="1771229"/>
-            <a:ext cx="0" cy="2875586"/>
-          </a:xfrm>
-          <a:prstGeom prst="line">
-            <a:avLst/>
-          </a:prstGeom>
-          <a:ln w="76200">
-            <a:solidFill>
-              <a:schemeClr val="tx1">
-                <a:lumMod val="50000"/>
-              </a:schemeClr>
-            </a:solidFill>
-          </a:ln>
-        </p:spPr>
-        <p:style>
-          <a:lnRef idx="1">
-            <a:schemeClr val="accent1"/>
-          </a:lnRef>
-          <a:fillRef idx="0">
-            <a:schemeClr val="accent1"/>
-          </a:fillRef>
-          <a:effectRef idx="0">
-            <a:schemeClr val="accent1"/>
-          </a:effectRef>
-          <a:fontRef idx="minor">
-            <a:schemeClr val="tx1"/>
-          </a:fontRef>
-        </p:style>
-      </p:cxnSp>
-      <p:sp>
-        <p:nvSpPr>
-          <p:cNvPr id="8" name="Oval 7">
-            <a:extLst>
-              <a:ext uri="{FF2B5EF4-FFF2-40B4-BE49-F238E27FC236}">
-                <a16:creationId xmlns:a16="http://schemas.microsoft.com/office/drawing/2014/main" id="{D780B0A6-9031-423A-8AC2-37C18347E369}"/>
-              </a:ext>
-            </a:extLst>
-          </p:cNvPr>
-          <p:cNvSpPr/>
-          <p:nvPr/>
-        </p:nvSpPr>
-        <p:spPr>
-          <a:xfrm>
-            <a:off x="5961613" y="2019994"/>
-            <a:ext cx="275706" cy="275706"/>
-          </a:xfrm>
-          <a:prstGeom prst="ellipse">
-            <a:avLst/>
-          </a:prstGeom>
-          <a:solidFill>
-            <a:schemeClr val="tx1">
-              <a:lumMod val="65000"/>
-            </a:schemeClr>
-          </a:solidFill>
-          <a:ln>
-            <a:solidFill>
-              <a:schemeClr val="tx1"/>
-            </a:solidFill>
-          </a:ln>
-        </p:spPr>
-        <p:style>
-          <a:lnRef idx="2">
-            <a:schemeClr val="accent1">
-              <a:shade val="50000"/>
-            </a:schemeClr>
-          </a:lnRef>
-          <a:fillRef idx="1">
-            <a:schemeClr val="accent1"/>
-          </a:fillRef>
-          <a:effectRef idx="0">
-            <a:schemeClr val="accent1"/>
-          </a:effectRef>
-          <a:fontRef idx="minor">
-            <a:schemeClr val="lt1"/>
-          </a:fontRef>
-        </p:style>
-        <p:txBody>
-          <a:bodyPr rtlCol="0" anchor="ctr"/>
-          <a:lstStyle/>
-          <a:p>
-            <a:pPr algn="ctr"/>
-            <a:endParaRPr lang="en-US"/>
-          </a:p>
-        </p:txBody>
-      </p:sp>
-      <p:cxnSp>
-        <p:nvCxnSpPr>
-          <p:cNvPr id="10" name="Straight Arrow Connector 9">
-            <a:extLst>
-              <a:ext uri="{FF2B5EF4-FFF2-40B4-BE49-F238E27FC236}">
-                <a16:creationId xmlns:a16="http://schemas.microsoft.com/office/drawing/2014/main" id="{87A68CCB-8D05-4BD9-BDDE-EE29FEECE518}"/>
-              </a:ext>
-            </a:extLst>
-          </p:cNvPr>
-          <p:cNvCxnSpPr>
-            <a:cxnSpLocks/>
-            <a:stCxn id="11" idx="1"/>
-          </p:cNvCxnSpPr>
-          <p:nvPr/>
-        </p:nvCxnSpPr>
-        <p:spPr>
-          <a:xfrm flipH="1">
-            <a:off x="6650182" y="1246909"/>
-            <a:ext cx="1119594" cy="0"/>
-          </a:xfrm>
-          <a:prstGeom prst="straightConnector1">
-            <a:avLst/>
-          </a:prstGeom>
-          <a:ln w="57150">
-            <a:solidFill>
-              <a:srgbClr val="FFC000"/>
-            </a:solidFill>
-            <a:tailEnd type="triangle"/>
-          </a:ln>
-        </p:spPr>
-        <p:style>
-          <a:lnRef idx="1">
-            <a:schemeClr val="accent1"/>
-          </a:lnRef>
-          <a:fillRef idx="0">
-            <a:schemeClr val="accent1"/>
-          </a:fillRef>
-          <a:effectRef idx="0">
-            <a:schemeClr val="accent1"/>
-          </a:effectRef>
-          <a:fontRef idx="minor">
-            <a:schemeClr val="tx1"/>
-          </a:fontRef>
-        </p:style>
-      </p:cxnSp>
-      <p:sp>
-        <p:nvSpPr>
-          <p:cNvPr id="11" name="TextBox 10">
-            <a:extLst>
-              <a:ext uri="{FF2B5EF4-FFF2-40B4-BE49-F238E27FC236}">
-                <a16:creationId xmlns:a16="http://schemas.microsoft.com/office/drawing/2014/main" id="{345EDC75-7580-4EBA-A325-774C0DF7FACC}"/>
-              </a:ext>
-            </a:extLst>
-          </p:cNvPr>
-          <p:cNvSpPr txBox="1"/>
-          <p:nvPr/>
-        </p:nvSpPr>
-        <p:spPr>
-          <a:xfrm>
-            <a:off x="7769776" y="1062243"/>
-            <a:ext cx="2010487" cy="369332"/>
-          </a:xfrm>
-          <a:prstGeom prst="rect">
-            <a:avLst/>
-          </a:prstGeom>
-          <a:noFill/>
-        </p:spPr>
-        <p:txBody>
-          <a:bodyPr wrap="none" rtlCol="0">
-            <a:spAutoFit/>
-          </a:bodyPr>
-          <a:lstStyle/>
-          <a:p>
+          <p:cNvPr id="3" name="Content Placeholder 2">
+            <a:extLst>
+              <a:ext uri="{FF2B5EF4-FFF2-40B4-BE49-F238E27FC236}">
+                <a16:creationId xmlns:a16="http://schemas.microsoft.com/office/drawing/2014/main" id="{0E15F1CA-1121-4121-A125-AE2B0D19948F}"/>
+              </a:ext>
+            </a:extLst>
+          </p:cNvPr>
+          <p:cNvSpPr>
+            <a:spLocks noGrp="1"/>
+          </p:cNvSpPr>
+          <p:nvPr>
+            <p:ph idx="1"/>
+          </p:nvPr>
+        </p:nvSpPr>
+        <p:spPr>
+          <a:xfrm>
+            <a:off x="838200" y="731520"/>
+            <a:ext cx="10515600" cy="5445443"/>
+          </a:xfrm>
+        </p:spPr>
+        <p:txBody>
+          <a:bodyPr anchor="ctr"/>
+          <a:lstStyle/>
+          <a:p>
+            <a:pPr marL="0" indent="0" algn="ctr">
+              <a:buNone/>
+            </a:pPr>
             <a:r>
               <a:rPr lang="en-US" dirty="0"/>
-              <a:t>Odd number. Press F</a:t>
-            </a:r>
-          </a:p>
-        </p:txBody>
-      </p:sp>
-      <p:sp>
-        <p:nvSpPr>
-          <p:cNvPr id="7" name="TextBox 6">
-            <a:extLst>
-              <a:ext uri="{FF2B5EF4-FFF2-40B4-BE49-F238E27FC236}">
-                <a16:creationId xmlns:a16="http://schemas.microsoft.com/office/drawing/2014/main" id="{13381491-1677-4EE4-AFAE-DADB6416064E}"/>
-              </a:ext>
-            </a:extLst>
-          </p:cNvPr>
-          <p:cNvSpPr txBox="1"/>
-          <p:nvPr/>
-        </p:nvSpPr>
-        <p:spPr>
-          <a:xfrm>
-            <a:off x="5847374" y="4646815"/>
-            <a:ext cx="497252" cy="923330"/>
-          </a:xfrm>
-          <a:prstGeom prst="rect">
-            <a:avLst/>
-          </a:prstGeom>
-          <a:noFill/>
-        </p:spPr>
-        <p:txBody>
-          <a:bodyPr wrap="none" rtlCol="0">
-            <a:spAutoFit/>
-          </a:bodyPr>
-          <a:lstStyle/>
-          <a:p>
-            <a:r>
-              <a:rPr lang="en-US" sz="5400" dirty="0"/>
-              <a:t>3</a:t>
-            </a:r>
-          </a:p>
-        </p:txBody>
-      </p:sp>
-      <p:cxnSp>
-        <p:nvCxnSpPr>
-          <p:cNvPr id="9" name="Straight Arrow Connector 8">
-            <a:extLst>
-              <a:ext uri="{FF2B5EF4-FFF2-40B4-BE49-F238E27FC236}">
-                <a16:creationId xmlns:a16="http://schemas.microsoft.com/office/drawing/2014/main" id="{1535B23B-667E-46EB-B811-2ABC7CFCB5A7}"/>
-              </a:ext>
-            </a:extLst>
-          </p:cNvPr>
-          <p:cNvCxnSpPr>
-            <a:cxnSpLocks/>
-            <a:stCxn id="12" idx="1"/>
-          </p:cNvCxnSpPr>
-          <p:nvPr/>
-        </p:nvCxnSpPr>
-        <p:spPr>
-          <a:xfrm flipH="1">
-            <a:off x="6535882" y="2185610"/>
-            <a:ext cx="1119594" cy="0"/>
-          </a:xfrm>
-          <a:prstGeom prst="straightConnector1">
-            <a:avLst/>
-          </a:prstGeom>
-          <a:ln w="57150">
-            <a:solidFill>
-              <a:srgbClr val="FFC000"/>
-            </a:solidFill>
-            <a:tailEnd type="triangle"/>
-          </a:ln>
-        </p:spPr>
-        <p:style>
-          <a:lnRef idx="1">
-            <a:schemeClr val="accent1"/>
-          </a:lnRef>
-          <a:fillRef idx="0">
-            <a:schemeClr val="accent1"/>
-          </a:fillRef>
-          <a:effectRef idx="0">
-            <a:schemeClr val="accent1"/>
-          </a:effectRef>
-          <a:fontRef idx="minor">
-            <a:schemeClr val="tx1"/>
-          </a:fontRef>
-        </p:style>
-      </p:cxnSp>
-      <p:sp>
-        <p:nvSpPr>
-          <p:cNvPr id="12" name="TextBox 11">
-            <a:extLst>
-              <a:ext uri="{FF2B5EF4-FFF2-40B4-BE49-F238E27FC236}">
-                <a16:creationId xmlns:a16="http://schemas.microsoft.com/office/drawing/2014/main" id="{0282A9FE-C87A-4414-A276-329E8AF62300}"/>
-              </a:ext>
-            </a:extLst>
-          </p:cNvPr>
-          <p:cNvSpPr txBox="1"/>
-          <p:nvPr/>
-        </p:nvSpPr>
-        <p:spPr>
-          <a:xfrm>
-            <a:off x="7655476" y="2000944"/>
-            <a:ext cx="3502882" cy="369332"/>
-          </a:xfrm>
-          <a:prstGeom prst="rect">
-            <a:avLst/>
-          </a:prstGeom>
-          <a:noFill/>
-        </p:spPr>
-        <p:txBody>
-          <a:bodyPr wrap="none" rtlCol="0">
-            <a:spAutoFit/>
-          </a:bodyPr>
-          <a:lstStyle/>
-          <a:p>
-            <a:r>
-              <a:rPr lang="en-US" dirty="0"/>
-              <a:t>Circle is at top. Ignore bottom number</a:t>
-            </a:r>
+              <a:t>We will go through a demonstration in the next few slides</a:t>
+            </a:r>
+            <a:endParaRPr lang="en-US" b="1" dirty="0"/>
           </a:p>
         </p:txBody>
       </p:sp>
     </p:spTree>
     <p:extLst>
       <p:ext uri="{BB962C8B-B14F-4D97-AF65-F5344CB8AC3E}">
-        <p14:creationId xmlns:p14="http://schemas.microsoft.com/office/powerpoint/2010/main" val="3380343371"/>
+        <p14:creationId xmlns:p14="http://schemas.microsoft.com/office/powerpoint/2010/main" val="2711652127"/>
       </p:ext>
     </p:extLst>
   </p:cSld>
@@ -6235,7 +8360,7 @@
           <a:p>
             <a:r>
               <a:rPr lang="en-US" sz="5400" dirty="0"/>
-              <a:t>9</a:t>
+              <a:t>8</a:t>
             </a:r>
           </a:p>
         </p:txBody>
@@ -6402,7 +8527,7 @@
         <p:spPr>
           <a:xfrm>
             <a:off x="7769776" y="1062243"/>
-            <a:ext cx="2010487" cy="369332"/>
+            <a:ext cx="2055371" cy="369332"/>
           </a:xfrm>
           <a:prstGeom prst="rect">
             <a:avLst/>
@@ -6417,7 +8542,7 @@
           <a:p>
             <a:r>
               <a:rPr lang="en-US" dirty="0"/>
-              <a:t>Odd number. Press F</a:t>
+              <a:t>Even number. Press J</a:t>
             </a:r>
           </a:p>
         </p:txBody>
@@ -6425,7 +8550,7 @@
     </p:spTree>
     <p:extLst>
       <p:ext uri="{BB962C8B-B14F-4D97-AF65-F5344CB8AC3E}">
-        <p14:creationId xmlns:p14="http://schemas.microsoft.com/office/powerpoint/2010/main" val="3684722757"/>
+        <p14:creationId xmlns:p14="http://schemas.microsoft.com/office/powerpoint/2010/main" val="3992007765"/>
       </p:ext>
     </p:extLst>
   </p:cSld>
